--- a/网金控股ppt模版.pptx
+++ b/网金控股ppt模版.pptx
@@ -19,10 +19,11 @@
     <p:sldId id="294" r:id="rId13"/>
     <p:sldId id="296" r:id="rId14"/>
     <p:sldId id="295" r:id="rId15"/>
-    <p:sldId id="290" r:id="rId16"/>
-    <p:sldId id="291" r:id="rId17"/>
-    <p:sldId id="282" r:id="rId18"/>
-    <p:sldId id="281" r:id="rId19"/>
+    <p:sldId id="297" r:id="rId16"/>
+    <p:sldId id="290" r:id="rId17"/>
+    <p:sldId id="291" r:id="rId18"/>
+    <p:sldId id="298" r:id="rId19"/>
+    <p:sldId id="281" r:id="rId20"/>
   </p:sldIdLst>
   <p:sldSz cx="12192000" cy="6858000"/>
   <p:notesSz cx="6858000" cy="9144000"/>
@@ -281,7 +282,7 @@
           <a:p>
             <a:fld id="{82F288E0-7875-42C4-84C8-98DBBD3BF4D2}" type="datetimeFigureOut">
               <a:rPr lang="zh-CN" altLang="en-US" smtClean="0"/>
-              <a:t>2017/8/1</a:t>
+              <a:t>2017/8/3</a:t>
             </a:fld>
             <a:endParaRPr lang="zh-CN" altLang="en-US"/>
           </a:p>
@@ -834,7 +835,7 @@
           <a:p>
             <a:fld id="{82F288E0-7875-42C4-84C8-98DBBD3BF4D2}" type="datetimeFigureOut">
               <a:rPr lang="zh-CN" altLang="en-US" smtClean="0"/>
-              <a:t>2017/8/1</a:t>
+              <a:t>2017/8/3</a:t>
             </a:fld>
             <a:endParaRPr lang="zh-CN" altLang="en-US"/>
           </a:p>
@@ -1009,7 +1010,7 @@
           <a:p>
             <a:fld id="{82F288E0-7875-42C4-84C8-98DBBD3BF4D2}" type="datetimeFigureOut">
               <a:rPr lang="zh-CN" altLang="en-US" smtClean="0"/>
-              <a:t>2017/8/1</a:t>
+              <a:t>2017/8/3</a:t>
             </a:fld>
             <a:endParaRPr lang="zh-CN" altLang="en-US"/>
           </a:p>
@@ -1217,7 +1218,7 @@
           <a:p>
             <a:fld id="{82F288E0-7875-42C4-84C8-98DBBD3BF4D2}" type="datetimeFigureOut">
               <a:rPr lang="zh-CN" altLang="en-US" smtClean="0"/>
-              <a:t>2017/8/1</a:t>
+              <a:t>2017/8/3</a:t>
             </a:fld>
             <a:endParaRPr lang="zh-CN" altLang="en-US"/>
           </a:p>
@@ -1688,20 +1689,7 @@
                 <a:latin typeface="微软雅黑" pitchFamily="34" charset="-122"/>
                 <a:ea typeface="微软雅黑" pitchFamily="34" charset="-122"/>
               </a:rPr>
-              <a:t>捕获分析</a:t>
-            </a:r>
-            <a:r>
-              <a:rPr lang="zh-CN" altLang="en-US" sz="5400" b="1" dirty="0" smtClean="0">
-                <a:solidFill>
-                  <a:schemeClr val="tx1">
-                    <a:lumMod val="85000"/>
-                    <a:lumOff val="15000"/>
-                  </a:schemeClr>
-                </a:solidFill>
-                <a:latin typeface="微软雅黑" pitchFamily="34" charset="-122"/>
-                <a:ea typeface="微软雅黑" pitchFamily="34" charset="-122"/>
-              </a:rPr>
-              <a:t>相关</a:t>
+              <a:t>捕获分析相关</a:t>
             </a:r>
             <a:endParaRPr lang="zh-CN" altLang="en-US" sz="5400" b="1" dirty="0">
               <a:solidFill>
@@ -2314,19 +2302,7 @@
                 <a:latin typeface="微软雅黑" pitchFamily="34" charset="-122"/>
                 <a:ea typeface="微软雅黑" pitchFamily="34" charset="-122"/>
               </a:rPr>
-              <a:t>异常</a:t>
-            </a:r>
-            <a:r>
-              <a:rPr lang="zh-CN" altLang="en-US" sz="4000" dirty="0" smtClean="0">
-                <a:solidFill>
-                  <a:schemeClr val="bg1">
-                    <a:lumMod val="65000"/>
-                  </a:schemeClr>
-                </a:solidFill>
-                <a:latin typeface="微软雅黑" pitchFamily="34" charset="-122"/>
-                <a:ea typeface="微软雅黑" pitchFamily="34" charset="-122"/>
-              </a:rPr>
-              <a:t>信息</a:t>
+              <a:t>异常信息</a:t>
             </a:r>
             <a:endParaRPr lang="en-US" altLang="zh-CN" sz="4000" dirty="0" smtClean="0">
               <a:solidFill>
@@ -3561,14 +3537,14 @@
       </p:grpSpPr>
       <p:sp>
         <p:nvSpPr>
-          <p:cNvPr id="4" name="TextBox 3"/>
+          <p:cNvPr id="5" name="TextBox 4"/>
           <p:cNvSpPr txBox="1"/>
           <p:nvPr/>
         </p:nvSpPr>
         <p:spPr>
           <a:xfrm>
-            <a:off x="976184" y="864000"/>
-            <a:ext cx="10527957" cy="707886"/>
+            <a:off x="7974106" y="2637850"/>
+            <a:ext cx="3743332" cy="584775"/>
           </a:xfrm>
           <a:prstGeom prst="rect">
             <a:avLst/>
@@ -3576,40 +3552,68 @@
           <a:noFill/>
         </p:spPr>
         <p:txBody>
-          <a:bodyPr wrap="square" rtlCol="0">
+          <a:bodyPr wrap="none" rtlCol="0">
             <a:spAutoFit/>
           </a:bodyPr>
           <a:lstStyle/>
           <a:p>
-            <a:pPr algn="ctr"/>
-            <a:r>
-              <a:rPr lang="en-US" altLang="zh-CN" sz="4000" dirty="0" smtClean="0">
-                <a:solidFill>
-                  <a:schemeClr val="bg1">
+            <a:r>
+              <a:rPr lang="en-US" altLang="zh-CN" sz="3200" b="1" dirty="0" smtClean="0">
+                <a:solidFill>
+                  <a:schemeClr val="tx1">
                     <a:lumMod val="65000"/>
+                    <a:lumOff val="35000"/>
                   </a:schemeClr>
                 </a:solidFill>
                 <a:latin typeface="微软雅黑" pitchFamily="34" charset="-122"/>
                 <a:ea typeface="微软雅黑" pitchFamily="34" charset="-122"/>
               </a:rPr>
-              <a:t>crash</a:t>
-            </a:r>
-            <a:r>
-              <a:rPr lang="zh-CN" altLang="en-US" sz="4000" dirty="0" smtClean="0">
-                <a:solidFill>
-                  <a:schemeClr val="bg1">
+              <a:t>iOS</a:t>
+            </a:r>
+            <a:r>
+              <a:rPr lang="zh-CN" altLang="en-US" sz="3200" b="1" dirty="0" smtClean="0">
+                <a:solidFill>
+                  <a:schemeClr val="tx1">
                     <a:lumMod val="65000"/>
+                    <a:lumOff val="35000"/>
                   </a:schemeClr>
                 </a:solidFill>
                 <a:latin typeface="微软雅黑" pitchFamily="34" charset="-122"/>
                 <a:ea typeface="微软雅黑" pitchFamily="34" charset="-122"/>
               </a:rPr>
-              <a:t>堆栈信息</a:t>
-            </a:r>
-            <a:endParaRPr lang="en-US" altLang="zh-CN" sz="4000" dirty="0" smtClean="0">
-              <a:solidFill>
-                <a:schemeClr val="bg1">
+              <a:t> </a:t>
+            </a:r>
+            <a:r>
+              <a:rPr lang="en-US" altLang="zh-CN" sz="3200" b="1" dirty="0" smtClean="0">
+                <a:solidFill>
+                  <a:schemeClr val="tx1">
+                    <a:lumMod val="65000"/>
+                    <a:lumOff val="35000"/>
+                  </a:schemeClr>
+                </a:solidFill>
+                <a:latin typeface="微软雅黑" pitchFamily="34" charset="-122"/>
+                <a:ea typeface="微软雅黑" pitchFamily="34" charset="-122"/>
+              </a:rPr>
+              <a:t>crash</a:t>
+            </a:r>
+            <a:r>
+              <a:rPr lang="zh-CN" altLang="en-US" sz="3200" b="1" dirty="0" smtClean="0">
+                <a:solidFill>
+                  <a:schemeClr val="tx1">
+                    <a:lumMod val="65000"/>
+                    <a:lumOff val="35000"/>
+                  </a:schemeClr>
+                </a:solidFill>
+                <a:latin typeface="微软雅黑" pitchFamily="34" charset="-122"/>
+                <a:ea typeface="微软雅黑" pitchFamily="34" charset="-122"/>
+              </a:rPr>
+              <a:t>堆栈分析</a:t>
+            </a:r>
+            <a:endParaRPr lang="zh-CN" altLang="en-US" sz="3200" b="1" dirty="0">
+              <a:solidFill>
+                <a:schemeClr val="tx1">
                   <a:lumMod val="65000"/>
+                  <a:lumOff val="35000"/>
                 </a:schemeClr>
               </a:solidFill>
               <a:latin typeface="微软雅黑" pitchFamily="34" charset="-122"/>
@@ -3620,159 +3624,54 @@
       </p:sp>
       <p:sp>
         <p:nvSpPr>
-          <p:cNvPr id="6" name="文本框 5"/>
-          <p:cNvSpPr txBox="1"/>
+          <p:cNvPr id="7" name="椭圆 6"/>
+          <p:cNvSpPr/>
           <p:nvPr/>
         </p:nvSpPr>
         <p:spPr>
           <a:xfrm>
-            <a:off x="976184" y="1690933"/>
-            <a:ext cx="9885405" cy="1477328"/>
+            <a:off x="7727093" y="2839752"/>
+            <a:ext cx="156519" cy="156519"/>
           </a:xfrm>
-          <a:prstGeom prst="rect">
+          <a:prstGeom prst="ellipse">
             <a:avLst/>
           </a:prstGeom>
-          <a:noFill/>
+          <a:solidFill>
+            <a:srgbClr val="C00000"/>
+          </a:solidFill>
+          <a:ln>
+            <a:noFill/>
+          </a:ln>
         </p:spPr>
+        <p:style>
+          <a:lnRef idx="2">
+            <a:schemeClr val="accent1">
+              <a:shade val="50000"/>
+            </a:schemeClr>
+          </a:lnRef>
+          <a:fillRef idx="1">
+            <a:schemeClr val="accent1"/>
+          </a:fillRef>
+          <a:effectRef idx="0">
+            <a:schemeClr val="accent1"/>
+          </a:effectRef>
+          <a:fontRef idx="minor">
+            <a:schemeClr val="lt1"/>
+          </a:fontRef>
+        </p:style>
         <p:txBody>
-          <a:bodyPr wrap="square" rtlCol="0">
-            <a:spAutoFit/>
-          </a:bodyPr>
+          <a:bodyPr rtlCol="0" anchor="ctr"/>
           <a:lstStyle/>
           <a:p>
-            <a:r>
-              <a:rPr lang="en-US" altLang="zh-CN" dirty="0"/>
-              <a:t>Last Exception </a:t>
-            </a:r>
-            <a:r>
-              <a:rPr lang="en-US" altLang="zh-CN" dirty="0" err="1" smtClean="0"/>
-              <a:t>Backtrace</a:t>
-            </a:r>
-            <a:r>
-              <a:rPr lang="en-US" altLang="zh-CN" dirty="0" smtClean="0"/>
-              <a:t>:</a:t>
-            </a:r>
-            <a:r>
-              <a:rPr lang="zh-CN" altLang="en-US" dirty="0" smtClean="0"/>
-              <a:t>    </a:t>
-            </a:r>
-            <a:endParaRPr lang="en-US" altLang="zh-CN" dirty="0" smtClean="0"/>
-          </a:p>
-          <a:p>
-            <a:r>
-              <a:rPr lang="en-US" altLang="zh-CN" b="1" dirty="0" err="1" smtClean="0"/>
-              <a:t>Backtraces</a:t>
-            </a:r>
-            <a:r>
-              <a:rPr lang="zh-CN" altLang="en-US" b="1" dirty="0"/>
-              <a:t>，提供应用中所有线程的回溯日志。 回溯是闪退发生时所有活动帧清单。它包含闪退发生时调用函数的清单</a:t>
-            </a:r>
-            <a:r>
-              <a:rPr lang="zh-CN" altLang="en-US" b="1" dirty="0" smtClean="0"/>
-              <a:t>。通常通过这部分信息我们就可以找到问题所在。</a:t>
-            </a:r>
-            <a:endParaRPr lang="en-US" altLang="zh-CN" dirty="0"/>
-          </a:p>
-          <a:p>
-            <a:r>
-              <a:rPr lang="en-US" altLang="zh-CN" dirty="0"/>
-              <a:t>0   </a:t>
-            </a:r>
-            <a:r>
-              <a:rPr lang="en-US" altLang="zh-CN" dirty="0" err="1"/>
-              <a:t>CoreFoundation</a:t>
-            </a:r>
-            <a:r>
-              <a:rPr lang="en-US" altLang="zh-CN" dirty="0"/>
-              <a:t>                	0x18bf2d1b8 __</a:t>
-            </a:r>
-            <a:r>
-              <a:rPr lang="en-US" altLang="zh-CN" dirty="0" err="1"/>
-              <a:t>exceptionPreprocess</a:t>
-            </a:r>
-            <a:r>
-              <a:rPr lang="en-US" altLang="zh-CN" dirty="0"/>
-              <a:t> + 124</a:t>
-            </a:r>
-          </a:p>
-          <a:p>
-            <a:pPr marL="342900" indent="-342900">
-              <a:buAutoNum type="arabicPlain" startAt="2"/>
-            </a:pPr>
-            <a:r>
-              <a:rPr lang="de-DE" altLang="zh-CN" dirty="0" err="1" smtClean="0"/>
-              <a:t>CoreFoundation</a:t>
-            </a:r>
-            <a:r>
-              <a:rPr lang="de-DE" altLang="zh-CN" dirty="0" smtClean="0"/>
-              <a:t>                </a:t>
-            </a:r>
-            <a:r>
-              <a:rPr lang="de-DE" altLang="zh-CN" dirty="0"/>
-              <a:t>	0x18be087f4 -[__</a:t>
-            </a:r>
-            <a:r>
-              <a:rPr lang="de-DE" altLang="zh-CN" dirty="0" err="1"/>
-              <a:t>NSArrayI</a:t>
-            </a:r>
-            <a:r>
-              <a:rPr lang="de-DE" altLang="zh-CN" dirty="0"/>
-              <a:t> </a:t>
-            </a:r>
-            <a:r>
-              <a:rPr lang="de-DE" altLang="zh-CN" dirty="0" err="1"/>
-              <a:t>objectAtIndex</a:t>
-            </a:r>
-            <a:r>
-              <a:rPr lang="de-DE" altLang="zh-CN" dirty="0"/>
-              <a:t>:] + </a:t>
-            </a:r>
-            <a:r>
-              <a:rPr lang="de-DE" altLang="zh-CN" dirty="0" smtClean="0"/>
-              <a:t>184</a:t>
-            </a:r>
-            <a:endParaRPr lang="de-DE" altLang="zh-CN" u="sng" dirty="0" smtClean="0">
-              <a:solidFill>
-                <a:srgbClr val="C00000"/>
-              </a:solidFill>
-            </a:endParaRPr>
+            <a:pPr algn="ctr"/>
+            <a:endParaRPr lang="zh-CN" altLang="en-US"/>
           </a:p>
         </p:txBody>
       </p:sp>
-      <p:pic>
-        <p:nvPicPr>
-          <p:cNvPr id="2" name="图片 1"/>
-          <p:cNvPicPr>
-            <a:picLocks noChangeAspect="1"/>
-          </p:cNvPicPr>
-          <p:nvPr/>
-        </p:nvPicPr>
-        <p:blipFill>
-          <a:blip r:embed="rId2">
-            <a:extLst>
-              <a:ext uri="{28A0092B-C50C-407E-A947-70E740481C1C}">
-                <a14:useLocalDpi xmlns:a14="http://schemas.microsoft.com/office/drawing/2010/main" val="0"/>
-              </a:ext>
-            </a:extLst>
-          </a:blip>
-          <a:stretch>
-            <a:fillRect/>
-          </a:stretch>
-        </p:blipFill>
-        <p:spPr>
-          <a:xfrm>
-            <a:off x="976184" y="3287308"/>
-            <a:ext cx="8452022" cy="3570692"/>
-          </a:xfrm>
-          <a:prstGeom prst="rect">
-            <a:avLst/>
-          </a:prstGeom>
-        </p:spPr>
-      </p:pic>
     </p:spTree>
     <p:extLst>
       <p:ext uri="{BB962C8B-B14F-4D97-AF65-F5344CB8AC3E}">
-        <p14:creationId xmlns:p14="http://schemas.microsoft.com/office/powerpoint/2010/main" val="566797525"/>
+        <p14:creationId xmlns:p14="http://schemas.microsoft.com/office/powerpoint/2010/main" val="1045318853"/>
       </p:ext>
     </p:extLst>
   </p:cSld>
@@ -3832,7 +3731,7 @@
                 <a:latin typeface="微软雅黑" pitchFamily="34" charset="-122"/>
                 <a:ea typeface="微软雅黑" pitchFamily="34" charset="-122"/>
               </a:rPr>
-              <a:t>Crash</a:t>
+              <a:t>crash</a:t>
             </a:r>
             <a:r>
               <a:rPr lang="zh-CN" altLang="en-US" sz="4000" dirty="0" smtClean="0">
@@ -3844,7 +3743,7 @@
                 <a:latin typeface="微软雅黑" pitchFamily="34" charset="-122"/>
                 <a:ea typeface="微软雅黑" pitchFamily="34" charset="-122"/>
               </a:rPr>
-              <a:t>线程状态</a:t>
+              <a:t>堆栈信息</a:t>
             </a:r>
             <a:endParaRPr lang="en-US" altLang="zh-CN" sz="4000" dirty="0" smtClean="0">
               <a:solidFill>
@@ -3866,8 +3765,8 @@
         </p:nvSpPr>
         <p:spPr>
           <a:xfrm>
-            <a:off x="976184" y="1703290"/>
-            <a:ext cx="9885405" cy="3970318"/>
+            <a:off x="976184" y="1690933"/>
+            <a:ext cx="9885405" cy="1477328"/>
           </a:xfrm>
           <a:prstGeom prst="rect">
             <a:avLst/>
@@ -3881,315 +3780,97 @@
           <a:lstStyle/>
           <a:p>
             <a:r>
-              <a:rPr lang="en-US" altLang="zh-CN" b="1" dirty="0"/>
-              <a:t>Thread State</a:t>
+              <a:rPr lang="en-US" altLang="zh-CN" dirty="0"/>
+              <a:t>Last Exception </a:t>
+            </a:r>
+            <a:r>
+              <a:rPr lang="en-US" altLang="zh-CN" dirty="0" err="1" smtClean="0"/>
+              <a:t>Backtrace</a:t>
+            </a:r>
+            <a:r>
+              <a:rPr lang="en-US" altLang="zh-CN" dirty="0" smtClean="0"/>
+              <a:t>:</a:t>
+            </a:r>
+            <a:r>
+              <a:rPr lang="zh-CN" altLang="en-US" dirty="0" smtClean="0"/>
+              <a:t>    </a:t>
+            </a:r>
+            <a:endParaRPr lang="en-US" altLang="zh-CN" dirty="0" smtClean="0"/>
+          </a:p>
+          <a:p>
+            <a:r>
+              <a:rPr lang="en-US" altLang="zh-CN" b="1" dirty="0" err="1" smtClean="0"/>
+              <a:t>Backtraces</a:t>
+            </a:r>
+            <a:r>
+              <a:rPr lang="zh-CN" altLang="en-US" b="1" dirty="0"/>
+              <a:t>，提供应用中所有线程的回溯日志。 回溯是闪退发生时所有活动帧清单。它包含闪退发生时调用函数的清单</a:t>
             </a:r>
             <a:r>
               <a:rPr lang="zh-CN" altLang="en-US" b="1" dirty="0" smtClean="0"/>
-              <a:t>：</a:t>
-            </a:r>
-            <a:r>
-              <a:rPr lang="zh-CN" altLang="en-US" u="sng" dirty="0">
-                <a:solidFill>
-                  <a:srgbClr val="C00000"/>
-                </a:solidFill>
-              </a:rPr>
-              <a:t>这部分是闪退时寄存器中的值</a:t>
-            </a:r>
-            <a:r>
-              <a:rPr lang="zh-CN" altLang="en-US" u="sng" dirty="0" smtClean="0">
-                <a:solidFill>
-                  <a:srgbClr val="C00000"/>
-                </a:solidFill>
-              </a:rPr>
-              <a:t>。</a:t>
-            </a:r>
-            <a:endParaRPr lang="en-US" altLang="zh-CN" b="1" u="sng" dirty="0">
-              <a:solidFill>
-                <a:srgbClr val="C00000"/>
-              </a:solidFill>
-            </a:endParaRPr>
-          </a:p>
-          <a:p>
-            <a:endParaRPr lang="en-US" altLang="zh-CN" b="1" u="sng" dirty="0">
-              <a:solidFill>
-                <a:srgbClr val="C00000"/>
-              </a:solidFill>
-            </a:endParaRPr>
-          </a:p>
-          <a:p>
-            <a:endParaRPr lang="en-US" altLang="zh-CN" b="1" u="sng" dirty="0">
-              <a:solidFill>
-                <a:srgbClr val="C00000"/>
-              </a:solidFill>
-            </a:endParaRPr>
-          </a:p>
-          <a:p>
-            <a:r>
-              <a:rPr lang="en-US" altLang="zh-CN" b="1" dirty="0"/>
-              <a:t>Binary Images</a:t>
-            </a:r>
-            <a:r>
-              <a:rPr lang="zh-CN" altLang="en-US" b="1" dirty="0" smtClean="0"/>
-              <a:t>：</a:t>
-            </a:r>
-            <a:r>
-              <a:rPr lang="en-US" altLang="zh-CN" u="sng" dirty="0">
-                <a:solidFill>
-                  <a:srgbClr val="C00000"/>
-                </a:solidFill>
-              </a:rPr>
-              <a:t>Crash</a:t>
-            </a:r>
-            <a:r>
-              <a:rPr lang="zh-CN" altLang="en-US" u="sng" dirty="0">
-                <a:solidFill>
-                  <a:srgbClr val="C00000"/>
-                </a:solidFill>
-              </a:rPr>
-              <a:t>时刻</a:t>
-            </a:r>
-            <a:r>
-              <a:rPr lang="en-US" altLang="zh-CN" u="sng" dirty="0">
-                <a:solidFill>
-                  <a:srgbClr val="C00000"/>
-                </a:solidFill>
-              </a:rPr>
-              <a:t>App</a:t>
-            </a:r>
-            <a:r>
-              <a:rPr lang="zh-CN" altLang="en-US" u="sng" dirty="0">
-                <a:solidFill>
-                  <a:srgbClr val="C00000"/>
-                </a:solidFill>
-              </a:rPr>
-              <a:t>加载的所有</a:t>
-            </a:r>
-            <a:r>
-              <a:rPr lang="zh-CN" altLang="en-US" u="sng" dirty="0" smtClean="0">
-                <a:solidFill>
-                  <a:srgbClr val="C00000"/>
-                </a:solidFill>
-              </a:rPr>
-              <a:t>的二进制镜像</a:t>
-            </a:r>
-            <a:endParaRPr lang="en-US" altLang="zh-CN" u="sng" dirty="0" smtClean="0">
-              <a:solidFill>
-                <a:srgbClr val="C00000"/>
-              </a:solidFill>
-            </a:endParaRPr>
-          </a:p>
-          <a:p>
-            <a:endParaRPr lang="en-US" altLang="zh-CN" u="sng" dirty="0">
-              <a:solidFill>
-                <a:srgbClr val="C00000"/>
-              </a:solidFill>
-            </a:endParaRPr>
-          </a:p>
-          <a:p>
-            <a:r>
-              <a:rPr lang="en-US" altLang="zh-CN" u="sng" dirty="0" smtClean="0">
-                <a:solidFill>
-                  <a:srgbClr val="C00000"/>
-                </a:solidFill>
-              </a:rPr>
-              <a:t>e.g.</a:t>
-            </a:r>
-            <a:r>
-              <a:rPr lang="zh-CN" altLang="en-US" u="sng" dirty="0" smtClean="0">
-                <a:solidFill>
-                  <a:srgbClr val="C00000"/>
-                </a:solidFill>
-              </a:rPr>
+              <a:t>。通常通过这部分信息我们就可以找到问题所在。</a:t>
+            </a:r>
+            <a:endParaRPr lang="en-US" altLang="zh-CN" dirty="0"/>
+          </a:p>
+          <a:p>
+            <a:r>
+              <a:rPr lang="en-US" altLang="zh-CN" dirty="0"/>
+              <a:t>0   </a:t>
+            </a:r>
+            <a:r>
+              <a:rPr lang="en-US" altLang="zh-CN" dirty="0" err="1"/>
+              <a:t>CoreFoundation</a:t>
+            </a:r>
+            <a:r>
+              <a:rPr lang="en-US" altLang="zh-CN" dirty="0"/>
+              <a:t>                	0x18bf2d1b8 __</a:t>
+            </a:r>
+            <a:r>
+              <a:rPr lang="en-US" altLang="zh-CN" dirty="0" err="1"/>
+              <a:t>exceptionPreprocess</a:t>
+            </a:r>
+            <a:r>
+              <a:rPr lang="en-US" altLang="zh-CN" dirty="0"/>
+              <a:t> + 124</a:t>
+            </a:r>
+          </a:p>
+          <a:p>
+            <a:pPr marL="342900" indent="-342900">
+              <a:buAutoNum type="arabicPlain" startAt="2"/>
+            </a:pPr>
+            <a:r>
+              <a:rPr lang="de-DE" altLang="zh-CN" dirty="0" err="1" smtClean="0"/>
+              <a:t>CoreFoundation</a:t>
+            </a:r>
+            <a:r>
+              <a:rPr lang="de-DE" altLang="zh-CN" dirty="0" smtClean="0"/>
+              <a:t>                </a:t>
+            </a:r>
+            <a:r>
+              <a:rPr lang="de-DE" altLang="zh-CN" dirty="0"/>
+              <a:t>	0x18be087f4 -[__</a:t>
+            </a:r>
+            <a:r>
+              <a:rPr lang="de-DE" altLang="zh-CN" dirty="0" err="1"/>
+              <a:t>NSArrayI</a:t>
+            </a:r>
+            <a:r>
+              <a:rPr lang="de-DE" altLang="zh-CN" dirty="0"/>
               <a:t> </a:t>
             </a:r>
             <a:r>
-              <a:rPr lang="en-US" altLang="zh-CN" u="sng" dirty="0" smtClean="0">
-                <a:solidFill>
-                  <a:srgbClr val="C00000"/>
-                </a:solidFill>
-              </a:rPr>
-              <a:t>binary</a:t>
-            </a:r>
-            <a:r>
-              <a:rPr lang="zh-CN" altLang="en-US" u="sng" dirty="0" smtClean="0">
-                <a:solidFill>
-                  <a:srgbClr val="C00000"/>
-                </a:solidFill>
-              </a:rPr>
-              <a:t> </a:t>
-            </a:r>
-            <a:r>
-              <a:rPr lang="en-US" altLang="zh-CN" u="sng" dirty="0" smtClean="0">
-                <a:solidFill>
-                  <a:srgbClr val="C00000"/>
-                </a:solidFill>
-              </a:rPr>
-              <a:t>image</a:t>
-            </a:r>
-          </a:p>
-          <a:p>
-            <a:r>
-              <a:rPr lang="zh-CN" altLang="en-US" u="sng" dirty="0" smtClean="0">
-                <a:solidFill>
-                  <a:srgbClr val="C00000"/>
-                </a:solidFill>
-              </a:rPr>
-              <a:t> </a:t>
-            </a:r>
-            <a:r>
-              <a:rPr lang="en-US" altLang="zh-CN" b="1" dirty="0"/>
-              <a:t>0x100078000 - 0x100083fff </a:t>
-            </a:r>
-            <a:r>
-              <a:rPr lang="zh-CN" altLang="en-US" b="1" dirty="0"/>
-              <a:t>：</a:t>
-            </a:r>
-            <a:r>
-              <a:rPr lang="en-US" altLang="zh-CN" b="1" dirty="0"/>
-              <a:t> binary image</a:t>
-            </a:r>
-            <a:r>
-              <a:rPr lang="en-US" altLang="zh-CN" dirty="0"/>
-              <a:t>’</a:t>
-            </a:r>
-            <a:r>
-              <a:rPr lang="en-US" altLang="zh-CN" b="1" dirty="0"/>
-              <a:t>s </a:t>
-            </a:r>
-            <a:r>
-              <a:rPr lang="zh-CN" altLang="en-US" dirty="0"/>
-              <a:t>在应用进程中的地址，</a:t>
-            </a:r>
-            <a:endParaRPr lang="en-US" altLang="zh-CN" b="1" dirty="0"/>
-          </a:p>
-          <a:p>
-            <a:r>
-              <a:rPr lang="en-US" altLang="zh-CN" b="1" dirty="0" err="1"/>
-              <a:t>DNCaughtExceptionDemo</a:t>
-            </a:r>
-            <a:r>
-              <a:rPr lang="en-US" altLang="zh-CN" b="1" dirty="0"/>
-              <a:t> </a:t>
-            </a:r>
-            <a:r>
-              <a:rPr lang="zh-CN" altLang="en-US" b="1" dirty="0"/>
-              <a:t>：</a:t>
-            </a:r>
-            <a:r>
-              <a:rPr lang="en-US" altLang="zh-CN" b="1" dirty="0"/>
-              <a:t> </a:t>
-            </a:r>
-            <a:r>
-              <a:rPr lang="zh-CN" altLang="en-US" dirty="0"/>
-              <a:t>调用的库文件名称</a:t>
-            </a:r>
-            <a:endParaRPr lang="en-US" altLang="zh-CN" b="1" dirty="0"/>
-          </a:p>
-          <a:p>
-            <a:r>
-              <a:rPr lang="en-US" altLang="zh-CN" b="1" dirty="0"/>
-              <a:t>arm64  </a:t>
-            </a:r>
-            <a:r>
-              <a:rPr lang="zh-CN" altLang="en-US" b="1" dirty="0"/>
-              <a:t>：</a:t>
-            </a:r>
-            <a:r>
-              <a:rPr lang="en-US" altLang="zh-CN" b="1" dirty="0"/>
-              <a:t>binary image</a:t>
-            </a:r>
-            <a:r>
-              <a:rPr lang="zh-CN" altLang="en-US" dirty="0"/>
-              <a:t>的系统架构，一个库文件可能会有多个样本来支持多种系统架构，但进程只会加载其中的一种。</a:t>
-            </a:r>
-            <a:endParaRPr lang="zh-CN" altLang="en-US" b="1" dirty="0"/>
-          </a:p>
-          <a:p>
-            <a:r>
-              <a:rPr lang="en-US" altLang="zh-CN" b="1" dirty="0"/>
-              <a:t>&lt;86323689c77c3e4e90e79da46c54199c&gt;  binary</a:t>
-            </a:r>
-            <a:r>
-              <a:rPr lang="zh-CN" altLang="en-US" dirty="0"/>
-              <a:t>的唯一标识，每一次编译都会改变，解析</a:t>
-            </a:r>
-            <a:r>
-              <a:rPr lang="en-US" altLang="zh-CN" b="1" dirty="0"/>
-              <a:t>Crash</a:t>
-            </a:r>
-            <a:r>
-              <a:rPr lang="zh-CN" altLang="en-US" dirty="0"/>
-              <a:t>的时候</a:t>
-            </a:r>
-            <a:r>
-              <a:rPr lang="en-US" altLang="zh-CN" b="1" dirty="0" err="1"/>
-              <a:t>dsym</a:t>
-            </a:r>
-            <a:r>
-              <a:rPr lang="zh-CN" altLang="en-US" dirty="0"/>
-              <a:t>文件的</a:t>
-            </a:r>
-            <a:r>
-              <a:rPr lang="en-US" altLang="zh-CN" b="1" dirty="0" err="1"/>
-              <a:t>uuid</a:t>
-            </a:r>
-            <a:r>
-              <a:rPr lang="zh-CN" altLang="en-US" dirty="0"/>
-              <a:t>必须和这个一样才能完成</a:t>
-            </a:r>
-            <a:r>
-              <a:rPr lang="en-US" altLang="zh-CN" b="1" dirty="0"/>
-              <a:t>Crash</a:t>
-            </a:r>
-            <a:r>
-              <a:rPr lang="zh-CN" altLang="en-US" dirty="0"/>
-              <a:t>的符号化解析。</a:t>
-            </a:r>
-            <a:endParaRPr lang="zh-CN" altLang="en-US" b="1" dirty="0"/>
-          </a:p>
-          <a:p>
-            <a:r>
-              <a:rPr lang="en-US" altLang="zh-CN" b="1" dirty="0"/>
-              <a:t>/</a:t>
-            </a:r>
-            <a:r>
-              <a:rPr lang="en-US" altLang="zh-CN" b="1" dirty="0" err="1"/>
-              <a:t>var</a:t>
-            </a:r>
-            <a:r>
-              <a:rPr lang="en-US" altLang="zh-CN" b="1" dirty="0"/>
-              <a:t>/containers/Bundle/Application/516A8515-291B-4747-B4EE- A8F4FE29BE56/</a:t>
-            </a:r>
-            <a:r>
-              <a:rPr lang="en-US" altLang="zh-CN" b="1" dirty="0" err="1"/>
-              <a:t>DNCaughtExceptionDemo.app</a:t>
-            </a:r>
-            <a:r>
-              <a:rPr lang="en-US" altLang="zh-CN" b="1" dirty="0"/>
-              <a:t>/</a:t>
-            </a:r>
-            <a:r>
-              <a:rPr lang="en-US" altLang="zh-CN" b="1" dirty="0" err="1"/>
-              <a:t>DNCaughtExceptionDemo</a:t>
-            </a:r>
-            <a:r>
-              <a:rPr lang="en-US" altLang="zh-CN" b="1" dirty="0"/>
-              <a:t> </a:t>
-            </a:r>
-            <a:r>
-              <a:rPr lang="zh-CN" altLang="en-US" b="1" dirty="0"/>
-              <a:t>：</a:t>
-            </a:r>
-            <a:r>
-              <a:rPr lang="en-US" altLang="zh-CN" b="1" dirty="0"/>
-              <a:t>binary</a:t>
-            </a:r>
-            <a:r>
-              <a:rPr lang="zh-CN" altLang="en-US" dirty="0"/>
-              <a:t>在磁盘中的路径。</a:t>
-            </a:r>
-            <a:endParaRPr lang="en-US" altLang="zh-CN" u="sng" dirty="0" smtClean="0">
+              <a:rPr lang="de-DE" altLang="zh-CN" dirty="0" err="1"/>
+              <a:t>objectAtIndex</a:t>
+            </a:r>
+            <a:r>
+              <a:rPr lang="de-DE" altLang="zh-CN" dirty="0"/>
+              <a:t>:] + </a:t>
+            </a:r>
+            <a:r>
+              <a:rPr lang="de-DE" altLang="zh-CN" dirty="0" smtClean="0"/>
+              <a:t>184</a:t>
+            </a:r>
+            <a:endParaRPr lang="de-DE" altLang="zh-CN" u="sng" dirty="0" smtClean="0">
               <a:solidFill>
                 <a:srgbClr val="C00000"/>
               </a:solidFill>
@@ -4197,10 +3878,40 @@
           </a:p>
         </p:txBody>
       </p:sp>
+      <p:pic>
+        <p:nvPicPr>
+          <p:cNvPr id="2" name="图片 1"/>
+          <p:cNvPicPr>
+            <a:picLocks noChangeAspect="1"/>
+          </p:cNvPicPr>
+          <p:nvPr/>
+        </p:nvPicPr>
+        <p:blipFill>
+          <a:blip r:embed="rId2">
+            <a:extLst>
+              <a:ext uri="{28A0092B-C50C-407E-A947-70E740481C1C}">
+                <a14:useLocalDpi xmlns:a14="http://schemas.microsoft.com/office/drawing/2010/main" val="0"/>
+              </a:ext>
+            </a:extLst>
+          </a:blip>
+          <a:stretch>
+            <a:fillRect/>
+          </a:stretch>
+        </p:blipFill>
+        <p:spPr>
+          <a:xfrm>
+            <a:off x="976184" y="3287308"/>
+            <a:ext cx="8452022" cy="3570692"/>
+          </a:xfrm>
+          <a:prstGeom prst="rect">
+            <a:avLst/>
+          </a:prstGeom>
+        </p:spPr>
+      </p:pic>
     </p:spTree>
     <p:extLst>
       <p:ext uri="{BB962C8B-B14F-4D97-AF65-F5344CB8AC3E}">
-        <p14:creationId xmlns:p14="http://schemas.microsoft.com/office/powerpoint/2010/main" val="150299753"/>
+        <p14:creationId xmlns:p14="http://schemas.microsoft.com/office/powerpoint/2010/main" val="566797525"/>
       </p:ext>
     </p:extLst>
   </p:cSld>
@@ -4229,14 +3940,14 @@
       </p:grpSpPr>
       <p:sp>
         <p:nvSpPr>
-          <p:cNvPr id="2" name="TextBox 1"/>
+          <p:cNvPr id="4" name="TextBox 3"/>
           <p:cNvSpPr txBox="1"/>
           <p:nvPr/>
         </p:nvSpPr>
         <p:spPr>
           <a:xfrm>
-            <a:off x="3090171" y="2554941"/>
-            <a:ext cx="5607685" cy="1109345"/>
+            <a:off x="976184" y="864000"/>
+            <a:ext cx="10527957" cy="707886"/>
           </a:xfrm>
           <a:prstGeom prst="rect">
             <a:avLst/>
@@ -4244,14 +3955,14 @@
           <a:noFill/>
         </p:spPr>
         <p:txBody>
-          <a:bodyPr wrap="none" rtlCol="0">
+          <a:bodyPr wrap="square" rtlCol="0">
             <a:spAutoFit/>
           </a:bodyPr>
           <a:lstStyle/>
           <a:p>
             <a:pPr algn="ctr"/>
             <a:r>
-              <a:rPr lang="zh-CN" altLang="en-US" sz="4000" dirty="0" smtClean="0">
+              <a:rPr lang="en-US" altLang="zh-CN" sz="4000" dirty="0" smtClean="0">
                 <a:solidFill>
                   <a:schemeClr val="bg1">
                     <a:lumMod val="65000"/>
@@ -4260,7 +3971,19 @@
                 <a:latin typeface="微软雅黑" pitchFamily="34" charset="-122"/>
                 <a:ea typeface="微软雅黑" pitchFamily="34" charset="-122"/>
               </a:rPr>
-              <a:t>可选用内页样式三</a:t>
+              <a:t>Crash</a:t>
+            </a:r>
+            <a:r>
+              <a:rPr lang="zh-CN" altLang="en-US" sz="4000" dirty="0" smtClean="0">
+                <a:solidFill>
+                  <a:schemeClr val="bg1">
+                    <a:lumMod val="65000"/>
+                  </a:schemeClr>
+                </a:solidFill>
+                <a:latin typeface="微软雅黑" pitchFamily="34" charset="-122"/>
+                <a:ea typeface="微软雅黑" pitchFamily="34" charset="-122"/>
+              </a:rPr>
+              <a:t>线程状态</a:t>
             </a:r>
             <a:endParaRPr lang="en-US" altLang="zh-CN" sz="4000" dirty="0" smtClean="0">
               <a:solidFill>
@@ -4272,57 +3995,353 @@
               <a:ea typeface="微软雅黑" pitchFamily="34" charset="-122"/>
             </a:endParaRPr>
           </a:p>
-          <a:p>
-            <a:pPr algn="ctr"/>
-            <a:r>
-              <a:rPr lang="zh-CN" altLang="en-US" sz="2400" dirty="0" smtClean="0">
-                <a:solidFill>
-                  <a:schemeClr val="bg1">
-                    <a:lumMod val="65000"/>
-                  </a:schemeClr>
-                </a:solidFill>
-                <a:latin typeface="微软雅黑" pitchFamily="34" charset="-122"/>
-                <a:ea typeface="微软雅黑" pitchFamily="34" charset="-122"/>
-              </a:rPr>
-              <a:t>（建议同一个</a:t>
-            </a:r>
-            <a:r>
-              <a:rPr lang="en-US" altLang="zh-CN" sz="2400" dirty="0" smtClean="0">
-                <a:solidFill>
-                  <a:schemeClr val="bg1">
-                    <a:lumMod val="65000"/>
-                  </a:schemeClr>
-                </a:solidFill>
-                <a:latin typeface="微软雅黑" pitchFamily="34" charset="-122"/>
-                <a:ea typeface="微软雅黑" pitchFamily="34" charset="-122"/>
-              </a:rPr>
-              <a:t>PPT</a:t>
-            </a:r>
-            <a:r>
-              <a:rPr lang="zh-CN" altLang="en-US" sz="2400" dirty="0" smtClean="0">
-                <a:solidFill>
-                  <a:schemeClr val="bg1">
-                    <a:lumMod val="65000"/>
-                  </a:schemeClr>
-                </a:solidFill>
-                <a:latin typeface="微软雅黑" pitchFamily="34" charset="-122"/>
-                <a:ea typeface="微软雅黑" pitchFamily="34" charset="-122"/>
-              </a:rPr>
-              <a:t>选用同一样式的内页）</a:t>
-            </a:r>
-            <a:endParaRPr lang="zh-CN" altLang="en-US" sz="2400" dirty="0">
-              <a:solidFill>
-                <a:schemeClr val="bg1">
-                  <a:lumMod val="65000"/>
-                </a:schemeClr>
-              </a:solidFill>
-              <a:latin typeface="微软雅黑" pitchFamily="34" charset="-122"/>
-              <a:ea typeface="微软雅黑" pitchFamily="34" charset="-122"/>
+        </p:txBody>
+      </p:sp>
+      <p:sp>
+        <p:nvSpPr>
+          <p:cNvPr id="6" name="文本框 5"/>
+          <p:cNvSpPr txBox="1"/>
+          <p:nvPr/>
+        </p:nvSpPr>
+        <p:spPr>
+          <a:xfrm>
+            <a:off x="976184" y="1703290"/>
+            <a:ext cx="9885405" cy="3970318"/>
+          </a:xfrm>
+          <a:prstGeom prst="rect">
+            <a:avLst/>
+          </a:prstGeom>
+          <a:noFill/>
+        </p:spPr>
+        <p:txBody>
+          <a:bodyPr wrap="square" rtlCol="0">
+            <a:spAutoFit/>
+          </a:bodyPr>
+          <a:lstStyle/>
+          <a:p>
+            <a:r>
+              <a:rPr lang="en-US" altLang="zh-CN" b="1" dirty="0"/>
+              <a:t>Thread State</a:t>
+            </a:r>
+            <a:r>
+              <a:rPr lang="zh-CN" altLang="en-US" b="1" dirty="0" smtClean="0"/>
+              <a:t>：</a:t>
+            </a:r>
+            <a:r>
+              <a:rPr lang="zh-CN" altLang="en-US" u="sng" dirty="0">
+                <a:solidFill>
+                  <a:srgbClr val="C00000"/>
+                </a:solidFill>
+              </a:rPr>
+              <a:t>这部分是闪退时寄存器中的值</a:t>
+            </a:r>
+            <a:r>
+              <a:rPr lang="zh-CN" altLang="en-US" u="sng" dirty="0" smtClean="0">
+                <a:solidFill>
+                  <a:srgbClr val="C00000"/>
+                </a:solidFill>
+              </a:rPr>
+              <a:t>。</a:t>
+            </a:r>
+            <a:endParaRPr lang="en-US" altLang="zh-CN" b="1" u="sng" dirty="0">
+              <a:solidFill>
+                <a:srgbClr val="C00000"/>
+              </a:solidFill>
+            </a:endParaRPr>
+          </a:p>
+          <a:p>
+            <a:endParaRPr lang="en-US" altLang="zh-CN" b="1" u="sng" dirty="0">
+              <a:solidFill>
+                <a:srgbClr val="C00000"/>
+              </a:solidFill>
+            </a:endParaRPr>
+          </a:p>
+          <a:p>
+            <a:endParaRPr lang="en-US" altLang="zh-CN" b="1" u="sng" dirty="0">
+              <a:solidFill>
+                <a:srgbClr val="C00000"/>
+              </a:solidFill>
+            </a:endParaRPr>
+          </a:p>
+          <a:p>
+            <a:r>
+              <a:rPr lang="en-US" altLang="zh-CN" b="1" dirty="0"/>
+              <a:t>Binary Images</a:t>
+            </a:r>
+            <a:r>
+              <a:rPr lang="zh-CN" altLang="en-US" b="1" dirty="0" smtClean="0"/>
+              <a:t>：</a:t>
+            </a:r>
+            <a:r>
+              <a:rPr lang="en-US" altLang="zh-CN" u="sng" dirty="0">
+                <a:solidFill>
+                  <a:srgbClr val="C00000"/>
+                </a:solidFill>
+              </a:rPr>
+              <a:t>Crash</a:t>
+            </a:r>
+            <a:r>
+              <a:rPr lang="zh-CN" altLang="en-US" u="sng" dirty="0">
+                <a:solidFill>
+                  <a:srgbClr val="C00000"/>
+                </a:solidFill>
+              </a:rPr>
+              <a:t>时刻</a:t>
+            </a:r>
+            <a:r>
+              <a:rPr lang="en-US" altLang="zh-CN" u="sng" dirty="0">
+                <a:solidFill>
+                  <a:srgbClr val="C00000"/>
+                </a:solidFill>
+              </a:rPr>
+              <a:t>App</a:t>
+            </a:r>
+            <a:r>
+              <a:rPr lang="zh-CN" altLang="en-US" u="sng" dirty="0">
+                <a:solidFill>
+                  <a:srgbClr val="C00000"/>
+                </a:solidFill>
+              </a:rPr>
+              <a:t>加载的所有</a:t>
+            </a:r>
+            <a:r>
+              <a:rPr lang="zh-CN" altLang="en-US" u="sng" dirty="0" smtClean="0">
+                <a:solidFill>
+                  <a:srgbClr val="C00000"/>
+                </a:solidFill>
+              </a:rPr>
+              <a:t>的二进制镜像</a:t>
+            </a:r>
+            <a:endParaRPr lang="en-US" altLang="zh-CN" u="sng" dirty="0" smtClean="0">
+              <a:solidFill>
+                <a:srgbClr val="C00000"/>
+              </a:solidFill>
+            </a:endParaRPr>
+          </a:p>
+          <a:p>
+            <a:endParaRPr lang="en-US" altLang="zh-CN" u="sng" dirty="0">
+              <a:solidFill>
+                <a:srgbClr val="C00000"/>
+              </a:solidFill>
+            </a:endParaRPr>
+          </a:p>
+          <a:p>
+            <a:r>
+              <a:rPr lang="en-US" altLang="zh-CN" u="sng" dirty="0" smtClean="0">
+                <a:solidFill>
+                  <a:srgbClr val="C00000"/>
+                </a:solidFill>
+              </a:rPr>
+              <a:t>e.g.</a:t>
+            </a:r>
+            <a:r>
+              <a:rPr lang="zh-CN" altLang="en-US" u="sng" dirty="0" smtClean="0">
+                <a:solidFill>
+                  <a:srgbClr val="C00000"/>
+                </a:solidFill>
+              </a:rPr>
+              <a:t> </a:t>
+            </a:r>
+            <a:r>
+              <a:rPr lang="en-US" altLang="zh-CN" u="sng" dirty="0" smtClean="0">
+                <a:solidFill>
+                  <a:srgbClr val="C00000"/>
+                </a:solidFill>
+              </a:rPr>
+              <a:t>binary</a:t>
+            </a:r>
+            <a:r>
+              <a:rPr lang="zh-CN" altLang="en-US" u="sng" dirty="0" smtClean="0">
+                <a:solidFill>
+                  <a:srgbClr val="C00000"/>
+                </a:solidFill>
+              </a:rPr>
+              <a:t> </a:t>
+            </a:r>
+            <a:r>
+              <a:rPr lang="en-US" altLang="zh-CN" u="sng" dirty="0" smtClean="0">
+                <a:solidFill>
+                  <a:srgbClr val="C00000"/>
+                </a:solidFill>
+              </a:rPr>
+              <a:t>image</a:t>
+            </a:r>
+          </a:p>
+          <a:p>
+            <a:r>
+              <a:rPr lang="zh-CN" altLang="en-US" u="sng" dirty="0" smtClean="0">
+                <a:solidFill>
+                  <a:srgbClr val="C00000"/>
+                </a:solidFill>
+              </a:rPr>
+              <a:t> </a:t>
+            </a:r>
+            <a:r>
+              <a:rPr lang="en-US" altLang="zh-CN" b="1" dirty="0"/>
+              <a:t>0x100078000 - 0x100083fff </a:t>
+            </a:r>
+            <a:r>
+              <a:rPr lang="zh-CN" altLang="en-US" b="1" dirty="0"/>
+              <a:t>：</a:t>
+            </a:r>
+            <a:r>
+              <a:rPr lang="en-US" altLang="zh-CN" b="1" dirty="0"/>
+              <a:t> binary image</a:t>
+            </a:r>
+            <a:r>
+              <a:rPr lang="en-US" altLang="zh-CN" dirty="0"/>
+              <a:t>’</a:t>
+            </a:r>
+            <a:r>
+              <a:rPr lang="en-US" altLang="zh-CN" b="1" dirty="0"/>
+              <a:t>s </a:t>
+            </a:r>
+            <a:r>
+              <a:rPr lang="zh-CN" altLang="en-US" dirty="0"/>
+              <a:t>在应用进程中的地址，</a:t>
+            </a:r>
+            <a:endParaRPr lang="en-US" altLang="zh-CN" b="1" dirty="0"/>
+          </a:p>
+          <a:p>
+            <a:r>
+              <a:rPr lang="en-US" altLang="zh-CN" b="1" dirty="0" err="1"/>
+              <a:t>DNCaughtExceptionDemo</a:t>
+            </a:r>
+            <a:r>
+              <a:rPr lang="en-US" altLang="zh-CN" b="1" dirty="0"/>
+              <a:t> </a:t>
+            </a:r>
+            <a:r>
+              <a:rPr lang="zh-CN" altLang="en-US" b="1" dirty="0"/>
+              <a:t>：</a:t>
+            </a:r>
+            <a:r>
+              <a:rPr lang="en-US" altLang="zh-CN" b="1" dirty="0"/>
+              <a:t> </a:t>
+            </a:r>
+            <a:r>
+              <a:rPr lang="zh-CN" altLang="en-US" dirty="0"/>
+              <a:t>调用的库文件名称</a:t>
+            </a:r>
+            <a:endParaRPr lang="en-US" altLang="zh-CN" b="1" dirty="0"/>
+          </a:p>
+          <a:p>
+            <a:r>
+              <a:rPr lang="en-US" altLang="zh-CN" b="1" dirty="0"/>
+              <a:t>arm64  </a:t>
+            </a:r>
+            <a:r>
+              <a:rPr lang="zh-CN" altLang="en-US" b="1" dirty="0"/>
+              <a:t>：</a:t>
+            </a:r>
+            <a:r>
+              <a:rPr lang="en-US" altLang="zh-CN" b="1" dirty="0"/>
+              <a:t>binary image</a:t>
+            </a:r>
+            <a:r>
+              <a:rPr lang="zh-CN" altLang="en-US" dirty="0"/>
+              <a:t>的系统架构，一个库文件可能会有多个样本来支持多种系统架构，但进程只会加载其中的一种。</a:t>
+            </a:r>
+            <a:endParaRPr lang="zh-CN" altLang="en-US" b="1" dirty="0"/>
+          </a:p>
+          <a:p>
+            <a:r>
+              <a:rPr lang="en-US" altLang="zh-CN" b="1" dirty="0"/>
+              <a:t>&lt;86323689c77c3e4e90e79da46c54199c&gt;  binary</a:t>
+            </a:r>
+            <a:r>
+              <a:rPr lang="zh-CN" altLang="en-US" dirty="0"/>
+              <a:t>的唯一标识，每一次编译都会改变，解析</a:t>
+            </a:r>
+            <a:r>
+              <a:rPr lang="en-US" altLang="zh-CN" b="1" dirty="0"/>
+              <a:t>Crash</a:t>
+            </a:r>
+            <a:r>
+              <a:rPr lang="zh-CN" altLang="en-US" dirty="0"/>
+              <a:t>的时候</a:t>
+            </a:r>
+            <a:r>
+              <a:rPr lang="en-US" altLang="zh-CN" b="1" dirty="0" err="1"/>
+              <a:t>dsym</a:t>
+            </a:r>
+            <a:r>
+              <a:rPr lang="zh-CN" altLang="en-US" dirty="0"/>
+              <a:t>文件的</a:t>
+            </a:r>
+            <a:r>
+              <a:rPr lang="en-US" altLang="zh-CN" b="1" dirty="0" err="1"/>
+              <a:t>uuid</a:t>
+            </a:r>
+            <a:r>
+              <a:rPr lang="zh-CN" altLang="en-US" dirty="0"/>
+              <a:t>必须和这个一样才能完成</a:t>
+            </a:r>
+            <a:r>
+              <a:rPr lang="en-US" altLang="zh-CN" b="1" dirty="0"/>
+              <a:t>Crash</a:t>
+            </a:r>
+            <a:r>
+              <a:rPr lang="zh-CN" altLang="en-US" dirty="0"/>
+              <a:t>的符号化解析。</a:t>
+            </a:r>
+            <a:endParaRPr lang="zh-CN" altLang="en-US" b="1" dirty="0"/>
+          </a:p>
+          <a:p>
+            <a:r>
+              <a:rPr lang="en-US" altLang="zh-CN" b="1" dirty="0"/>
+              <a:t>/</a:t>
+            </a:r>
+            <a:r>
+              <a:rPr lang="en-US" altLang="zh-CN" b="1" dirty="0" err="1"/>
+              <a:t>var</a:t>
+            </a:r>
+            <a:r>
+              <a:rPr lang="en-US" altLang="zh-CN" b="1" dirty="0"/>
+              <a:t>/containers/Bundle/Application/516A8515-291B-4747-B4EE- A8F4FE29BE56/</a:t>
+            </a:r>
+            <a:r>
+              <a:rPr lang="en-US" altLang="zh-CN" b="1" dirty="0" err="1"/>
+              <a:t>DNCaughtExceptionDemo.app</a:t>
+            </a:r>
+            <a:r>
+              <a:rPr lang="en-US" altLang="zh-CN" b="1" dirty="0"/>
+              <a:t>/</a:t>
+            </a:r>
+            <a:r>
+              <a:rPr lang="en-US" altLang="zh-CN" b="1" dirty="0" err="1"/>
+              <a:t>DNCaughtExceptionDemo</a:t>
+            </a:r>
+            <a:r>
+              <a:rPr lang="en-US" altLang="zh-CN" b="1" dirty="0"/>
+              <a:t> </a:t>
+            </a:r>
+            <a:r>
+              <a:rPr lang="zh-CN" altLang="en-US" b="1" dirty="0"/>
+              <a:t>：</a:t>
+            </a:r>
+            <a:r>
+              <a:rPr lang="en-US" altLang="zh-CN" b="1" dirty="0"/>
+              <a:t>binary</a:t>
+            </a:r>
+            <a:r>
+              <a:rPr lang="zh-CN" altLang="en-US" dirty="0"/>
+              <a:t>在磁盘中的路径。</a:t>
+            </a:r>
+            <a:endParaRPr lang="en-US" altLang="zh-CN" u="sng" dirty="0" smtClean="0">
+              <a:solidFill>
+                <a:srgbClr val="C00000"/>
+              </a:solidFill>
             </a:endParaRPr>
           </a:p>
         </p:txBody>
       </p:sp>
     </p:spTree>
+    <p:extLst>
+      <p:ext uri="{BB962C8B-B14F-4D97-AF65-F5344CB8AC3E}">
+        <p14:creationId xmlns:p14="http://schemas.microsoft.com/office/powerpoint/2010/main" val="150299753"/>
+      </p:ext>
+    </p:extLst>
   </p:cSld>
   <p:clrMapOvr>
     <a:masterClrMapping/>
@@ -4331,6 +4350,481 @@
 </file>
 
 <file path=ppt/slides/slide18.xml><?xml version="1.0" encoding="utf-8"?>
+<p:sld xmlns:a="http://schemas.openxmlformats.org/drawingml/2006/main" xmlns:r="http://schemas.openxmlformats.org/officeDocument/2006/relationships" xmlns:p="http://schemas.openxmlformats.org/presentationml/2006/main">
+  <p:cSld>
+    <p:spTree>
+      <p:nvGrpSpPr>
+        <p:cNvPr id="1" name=""/>
+        <p:cNvGrpSpPr/>
+        <p:nvPr/>
+      </p:nvGrpSpPr>
+      <p:grpSpPr>
+        <a:xfrm>
+          <a:off x="0" y="0"/>
+          <a:ext cx="0" cy="0"/>
+          <a:chOff x="0" y="0"/>
+          <a:chExt cx="0" cy="0"/>
+        </a:xfrm>
+      </p:grpSpPr>
+      <p:sp>
+        <p:nvSpPr>
+          <p:cNvPr id="4" name="TextBox 3"/>
+          <p:cNvSpPr txBox="1"/>
+          <p:nvPr/>
+        </p:nvSpPr>
+        <p:spPr>
+          <a:xfrm>
+            <a:off x="976184" y="864000"/>
+            <a:ext cx="10527957" cy="707886"/>
+          </a:xfrm>
+          <a:prstGeom prst="rect">
+            <a:avLst/>
+          </a:prstGeom>
+          <a:noFill/>
+        </p:spPr>
+        <p:txBody>
+          <a:bodyPr wrap="square" rtlCol="0">
+            <a:spAutoFit/>
+          </a:bodyPr>
+          <a:lstStyle/>
+          <a:p>
+            <a:pPr algn="ctr"/>
+            <a:r>
+              <a:rPr lang="en-US" altLang="zh-CN" sz="4000" dirty="0" smtClean="0">
+                <a:solidFill>
+                  <a:schemeClr val="bg1">
+                    <a:lumMod val="65000"/>
+                  </a:schemeClr>
+                </a:solidFill>
+                <a:latin typeface="微软雅黑" pitchFamily="34" charset="-122"/>
+                <a:ea typeface="微软雅黑" pitchFamily="34" charset="-122"/>
+              </a:rPr>
+              <a:t>Crash</a:t>
+            </a:r>
+            <a:r>
+              <a:rPr lang="zh-CN" altLang="en-US" sz="4000" dirty="0" smtClean="0">
+                <a:solidFill>
+                  <a:schemeClr val="bg1">
+                    <a:lumMod val="65000"/>
+                  </a:schemeClr>
+                </a:solidFill>
+                <a:latin typeface="微软雅黑" pitchFamily="34" charset="-122"/>
+                <a:ea typeface="微软雅黑" pitchFamily="34" charset="-122"/>
+              </a:rPr>
+              <a:t>日志符号化</a:t>
+            </a:r>
+            <a:endParaRPr lang="en-US" altLang="zh-CN" sz="4000" dirty="0" smtClean="0">
+              <a:solidFill>
+                <a:schemeClr val="bg1">
+                  <a:lumMod val="65000"/>
+                </a:schemeClr>
+              </a:solidFill>
+              <a:latin typeface="微软雅黑" pitchFamily="34" charset="-122"/>
+              <a:ea typeface="微软雅黑" pitchFamily="34" charset="-122"/>
+            </a:endParaRPr>
+          </a:p>
+        </p:txBody>
+      </p:sp>
+      <p:sp>
+        <p:nvSpPr>
+          <p:cNvPr id="6" name="文本框 5"/>
+          <p:cNvSpPr txBox="1"/>
+          <p:nvPr/>
+        </p:nvSpPr>
+        <p:spPr>
+          <a:xfrm>
+            <a:off x="1055697" y="1752986"/>
+            <a:ext cx="9885405" cy="3693319"/>
+          </a:xfrm>
+          <a:prstGeom prst="rect">
+            <a:avLst/>
+          </a:prstGeom>
+          <a:noFill/>
+        </p:spPr>
+        <p:txBody>
+          <a:bodyPr wrap="square" rtlCol="0">
+            <a:spAutoFit/>
+          </a:bodyPr>
+          <a:lstStyle/>
+          <a:p>
+            <a:r>
+              <a:rPr lang="en-US" altLang="zh-CN" dirty="0" smtClean="0"/>
+              <a:t>1</a:t>
+            </a:r>
+            <a:r>
+              <a:rPr lang="zh-CN" altLang="en-US" dirty="0" smtClean="0"/>
+              <a:t>、</a:t>
+            </a:r>
+            <a:r>
+              <a:rPr lang="zh-CN" altLang="it-IT" dirty="0" smtClean="0"/>
+              <a:t>利用</a:t>
+            </a:r>
+            <a:r>
+              <a:rPr lang="it-IT" altLang="zh-CN" dirty="0" err="1"/>
+              <a:t>xcode</a:t>
+            </a:r>
+            <a:r>
+              <a:rPr lang="it-IT" altLang="zh-CN" dirty="0"/>
+              <a:t> </a:t>
+            </a:r>
+            <a:r>
+              <a:rPr lang="zh-CN" altLang="it-IT" dirty="0"/>
+              <a:t>自带</a:t>
+            </a:r>
+            <a:r>
+              <a:rPr lang="it-IT" altLang="zh-CN" dirty="0" err="1"/>
+              <a:t>symbolicatecrash</a:t>
+            </a:r>
+            <a:r>
+              <a:rPr lang="it-IT" altLang="zh-CN" dirty="0"/>
+              <a:t> </a:t>
+            </a:r>
+            <a:r>
+              <a:rPr lang="zh-CN" altLang="it-IT" dirty="0" smtClean="0"/>
+              <a:t>脚本</a:t>
+            </a:r>
+            <a:r>
+              <a:rPr lang="zh-CN" altLang="en-US" dirty="0" smtClean="0"/>
+              <a:t>符号化</a:t>
+            </a:r>
+            <a:r>
+              <a:rPr lang="en-US" altLang="zh-CN" dirty="0" smtClean="0"/>
+              <a:t>crash</a:t>
+            </a:r>
+            <a:r>
+              <a:rPr lang="zh-CN" altLang="en-US" dirty="0" smtClean="0"/>
+              <a:t>日志</a:t>
+            </a:r>
+            <a:endParaRPr lang="en-US" altLang="zh-CN" dirty="0" smtClean="0"/>
+          </a:p>
+          <a:p>
+            <a:endParaRPr lang="en-US" altLang="zh-CN" b="1" u="sng" dirty="0">
+              <a:solidFill>
+                <a:srgbClr val="C00000"/>
+              </a:solidFill>
+            </a:endParaRPr>
+          </a:p>
+          <a:p>
+            <a:r>
+              <a:rPr lang="en-US" altLang="zh-CN" u="sng" dirty="0" smtClean="0">
+                <a:solidFill>
+                  <a:srgbClr val="C00000"/>
+                </a:solidFill>
+              </a:rPr>
+              <a:t>1.0</a:t>
+            </a:r>
+            <a:r>
+              <a:rPr lang="zh-CN" altLang="en-US" u="sng" dirty="0" smtClean="0">
+                <a:solidFill>
+                  <a:srgbClr val="C00000"/>
+                </a:solidFill>
+              </a:rPr>
+              <a:t> </a:t>
+            </a:r>
+            <a:r>
+              <a:rPr lang="en-US" altLang="zh-CN" dirty="0" smtClean="0"/>
+              <a:t>find </a:t>
+            </a:r>
+            <a:r>
+              <a:rPr lang="en-US" altLang="zh-CN" dirty="0"/>
+              <a:t>/Applications/</a:t>
+            </a:r>
+            <a:r>
+              <a:rPr lang="en-US" altLang="zh-CN" dirty="0" err="1"/>
+              <a:t>Xcode.app</a:t>
+            </a:r>
+            <a:r>
+              <a:rPr lang="en-US" altLang="zh-CN" dirty="0"/>
+              <a:t> -name </a:t>
+            </a:r>
+            <a:r>
+              <a:rPr lang="en-US" altLang="zh-CN" dirty="0" err="1"/>
+              <a:t>symbolicatecrash</a:t>
+            </a:r>
+            <a:r>
+              <a:rPr lang="en-US" altLang="zh-CN" dirty="0"/>
+              <a:t> -type f </a:t>
+            </a:r>
+            <a:r>
+              <a:rPr lang="zh-CN" altLang="en-US" dirty="0"/>
+              <a:t>：</a:t>
+            </a:r>
+            <a:r>
+              <a:rPr lang="en-US" altLang="zh-CN" dirty="0"/>
+              <a:t> </a:t>
+            </a:r>
+            <a:r>
+              <a:rPr lang="zh-CN" altLang="en-US" dirty="0"/>
+              <a:t>获取</a:t>
+            </a:r>
+            <a:r>
+              <a:rPr lang="en-US" altLang="zh-CN" dirty="0" err="1"/>
+              <a:t>symbolicatecrash</a:t>
+            </a:r>
+            <a:r>
+              <a:rPr lang="zh-CN" altLang="en-US" dirty="0"/>
+              <a:t>脚本</a:t>
+            </a:r>
+            <a:r>
+              <a:rPr lang="zh-CN" altLang="en-US" dirty="0" smtClean="0"/>
+              <a:t>路径</a:t>
+            </a:r>
+            <a:endParaRPr lang="en-US" altLang="zh-CN" dirty="0" smtClean="0"/>
+          </a:p>
+          <a:p>
+            <a:endParaRPr lang="en-US" altLang="zh-CN" b="1" u="sng" dirty="0">
+              <a:solidFill>
+                <a:srgbClr val="C00000"/>
+              </a:solidFill>
+            </a:endParaRPr>
+          </a:p>
+          <a:p>
+            <a:r>
+              <a:rPr lang="en-US" altLang="zh-CN" dirty="0" smtClean="0"/>
+              <a:t>/Applications/</a:t>
+            </a:r>
+            <a:r>
+              <a:rPr lang="en-US" altLang="zh-CN" dirty="0" err="1" smtClean="0"/>
+              <a:t>Xcode.app</a:t>
+            </a:r>
+            <a:r>
+              <a:rPr lang="en-US" altLang="zh-CN" dirty="0" smtClean="0"/>
+              <a:t>/Contents/Developer/Platforms/</a:t>
+            </a:r>
+            <a:r>
+              <a:rPr lang="en-US" altLang="zh-CN" dirty="0" err="1" smtClean="0"/>
+              <a:t>AppleTVSimulator.platform</a:t>
+            </a:r>
+            <a:r>
+              <a:rPr lang="en-US" altLang="zh-CN" dirty="0" smtClean="0"/>
+              <a:t>/Developer/Library/</a:t>
+            </a:r>
+            <a:r>
+              <a:rPr lang="en-US" altLang="zh-CN" dirty="0" err="1" smtClean="0"/>
+              <a:t>PrivateFrameworks</a:t>
+            </a:r>
+            <a:r>
+              <a:rPr lang="en-US" altLang="zh-CN" dirty="0" smtClean="0"/>
+              <a:t>/</a:t>
+            </a:r>
+            <a:r>
+              <a:rPr lang="en-US" altLang="zh-CN" dirty="0" err="1" smtClean="0"/>
+              <a:t>DVTFoundation.framework</a:t>
+            </a:r>
+            <a:r>
+              <a:rPr lang="en-US" altLang="zh-CN" dirty="0" smtClean="0"/>
+              <a:t>/</a:t>
+            </a:r>
+            <a:r>
+              <a:rPr lang="en-US" altLang="zh-CN" dirty="0" err="1" smtClean="0"/>
+              <a:t>symbolicatecrash</a:t>
+            </a:r>
+            <a:endParaRPr lang="en-US" altLang="zh-CN" dirty="0" smtClean="0"/>
+          </a:p>
+          <a:p>
+            <a:endParaRPr lang="en-US" altLang="zh-CN" b="1" u="sng" dirty="0">
+              <a:solidFill>
+                <a:srgbClr val="C00000"/>
+              </a:solidFill>
+            </a:endParaRPr>
+          </a:p>
+          <a:p>
+            <a:r>
+              <a:rPr lang="en-US" altLang="zh-CN" b="1" u="sng" dirty="0" smtClean="0">
+                <a:solidFill>
+                  <a:srgbClr val="C00000"/>
+                </a:solidFill>
+              </a:rPr>
+              <a:t>2.0</a:t>
+            </a:r>
+            <a:r>
+              <a:rPr lang="zh-CN" altLang="en-US" b="1" u="sng" dirty="0" smtClean="0">
+                <a:solidFill>
+                  <a:srgbClr val="C00000"/>
+                </a:solidFill>
+              </a:rPr>
+              <a:t> </a:t>
+            </a:r>
+            <a:r>
+              <a:rPr lang="zh-CN" altLang="en-US" dirty="0" smtClean="0"/>
+              <a:t>将</a:t>
+            </a:r>
+            <a:r>
+              <a:rPr lang="en-US" altLang="zh-CN" dirty="0"/>
+              <a:t>.app</a:t>
+            </a:r>
+            <a:r>
+              <a:rPr lang="zh-CN" altLang="en-US" dirty="0"/>
+              <a:t>文件</a:t>
+            </a:r>
+            <a:r>
+              <a:rPr lang="en-US" altLang="zh-CN" dirty="0"/>
+              <a:t> </a:t>
+            </a:r>
+            <a:r>
+              <a:rPr lang="zh-CN" altLang="en-US" dirty="0"/>
+              <a:t>、</a:t>
+            </a:r>
+            <a:r>
+              <a:rPr lang="en-US" altLang="zh-CN" dirty="0"/>
+              <a:t>.</a:t>
+            </a:r>
+            <a:r>
+              <a:rPr lang="en-US" altLang="zh-CN" dirty="0" err="1"/>
+              <a:t>dSYM</a:t>
+            </a:r>
+            <a:r>
+              <a:rPr lang="zh-CN" altLang="en-US" dirty="0"/>
+              <a:t>文件</a:t>
+            </a:r>
+            <a:r>
+              <a:rPr lang="en-US" altLang="zh-CN" dirty="0"/>
+              <a:t> </a:t>
+            </a:r>
+            <a:r>
+              <a:rPr lang="zh-CN" altLang="en-US" dirty="0"/>
+              <a:t>、</a:t>
+            </a:r>
+            <a:r>
+              <a:rPr lang="en-US" altLang="zh-CN" dirty="0"/>
+              <a:t> </a:t>
+            </a:r>
+            <a:r>
+              <a:rPr lang="en-US" altLang="zh-CN" dirty="0" err="1"/>
+              <a:t>symbolicatecrash</a:t>
+            </a:r>
+            <a:r>
+              <a:rPr lang="zh-CN" altLang="en-US" dirty="0"/>
+              <a:t>脚本文件、</a:t>
+            </a:r>
+            <a:r>
+              <a:rPr lang="en-US" altLang="zh-CN" dirty="0"/>
+              <a:t> .crash</a:t>
+            </a:r>
+            <a:r>
+              <a:rPr lang="zh-CN" altLang="en-US" dirty="0"/>
+              <a:t>文件放在同一目录</a:t>
+            </a:r>
+            <a:r>
+              <a:rPr lang="zh-CN" altLang="en-US" dirty="0" smtClean="0"/>
+              <a:t>下</a:t>
+            </a:r>
+            <a:endParaRPr lang="en-US" altLang="zh-CN" dirty="0" smtClean="0"/>
+          </a:p>
+          <a:p>
+            <a:endParaRPr lang="en-US" altLang="zh-CN" b="1" u="sng" dirty="0">
+              <a:solidFill>
+                <a:srgbClr val="C00000"/>
+              </a:solidFill>
+            </a:endParaRPr>
+          </a:p>
+          <a:p>
+            <a:r>
+              <a:rPr lang="en-US" altLang="zh-CN" b="1" u="sng" dirty="0" smtClean="0">
+                <a:solidFill>
+                  <a:srgbClr val="C00000"/>
+                </a:solidFill>
+              </a:rPr>
+              <a:t>3.0</a:t>
+            </a:r>
+            <a:r>
+              <a:rPr lang="zh-CN" altLang="en-US" b="1" u="sng" dirty="0" smtClean="0">
+                <a:solidFill>
+                  <a:srgbClr val="C00000"/>
+                </a:solidFill>
+              </a:rPr>
+              <a:t> </a:t>
+            </a:r>
+            <a:r>
+              <a:rPr lang="en-US" altLang="zh-CN" dirty="0"/>
+              <a:t> export DEVELOPER_DIR=/</a:t>
+            </a:r>
+            <a:r>
+              <a:rPr lang="en-US" altLang="zh-CN" dirty="0" smtClean="0"/>
+              <a:t>Applications/</a:t>
+            </a:r>
+            <a:r>
+              <a:rPr lang="en-US" altLang="zh-CN" dirty="0" err="1" smtClean="0"/>
+              <a:t>XCode.app</a:t>
+            </a:r>
+            <a:r>
+              <a:rPr lang="en-US" altLang="zh-CN" dirty="0" smtClean="0"/>
+              <a:t>/Contents/Developer</a:t>
+            </a:r>
+          </a:p>
+          <a:p>
+            <a:endParaRPr lang="en-US" altLang="zh-CN" b="1" u="sng" dirty="0">
+              <a:solidFill>
+                <a:srgbClr val="C00000"/>
+              </a:solidFill>
+            </a:endParaRPr>
+          </a:p>
+          <a:p>
+            <a:r>
+              <a:rPr lang="en-US" altLang="zh-CN" b="1" u="sng" dirty="0" smtClean="0">
+                <a:solidFill>
+                  <a:srgbClr val="C00000"/>
+                </a:solidFill>
+              </a:rPr>
+              <a:t>4.0</a:t>
+            </a:r>
+            <a:r>
+              <a:rPr lang="zh-CN" altLang="en-US" b="1" u="sng" dirty="0" smtClean="0">
+                <a:solidFill>
+                  <a:srgbClr val="C00000"/>
+                </a:solidFill>
+              </a:rPr>
+              <a:t>  </a:t>
+            </a:r>
+            <a:r>
+              <a:rPr lang="en-US" altLang="zh-CN" dirty="0"/>
+              <a:t>./</a:t>
+            </a:r>
+            <a:r>
+              <a:rPr lang="en-US" altLang="zh-CN" dirty="0" err="1"/>
+              <a:t>symbolicatecrash</a:t>
+            </a:r>
+            <a:r>
+              <a:rPr lang="en-US" altLang="zh-CN" dirty="0"/>
+              <a:t> ./*.crash ./*.</a:t>
+            </a:r>
+            <a:r>
+              <a:rPr lang="en-US" altLang="zh-CN" dirty="0" err="1"/>
+              <a:t>app.dSYM</a:t>
+            </a:r>
+            <a:r>
+              <a:rPr lang="en-US" altLang="zh-CN" dirty="0"/>
+              <a:t> &gt; </a:t>
+            </a:r>
+            <a:r>
+              <a:rPr lang="en-US" altLang="zh-CN" dirty="0" err="1" smtClean="0"/>
+              <a:t>crashName.crash</a:t>
+            </a:r>
+            <a:endParaRPr lang="en-US" altLang="zh-CN" dirty="0" smtClean="0"/>
+          </a:p>
+          <a:p>
+            <a:endParaRPr lang="en-US" altLang="zh-CN" b="1" u="sng" dirty="0" smtClean="0">
+              <a:solidFill>
+                <a:srgbClr val="C00000"/>
+              </a:solidFill>
+            </a:endParaRPr>
+          </a:p>
+        </p:txBody>
+      </p:sp>
+    </p:spTree>
+    <p:extLst>
+      <p:ext uri="{BB962C8B-B14F-4D97-AF65-F5344CB8AC3E}">
+        <p14:creationId xmlns:p14="http://schemas.microsoft.com/office/powerpoint/2010/main" val="1106248934"/>
+      </p:ext>
+    </p:extLst>
+  </p:cSld>
+  <p:clrMapOvr>
+    <a:masterClrMapping/>
+  </p:clrMapOvr>
+</p:sld>
+</file>
+
+<file path=ppt/slides/slide19.xml><?xml version="1.0" encoding="utf-8"?>
 <p:sld xmlns:a="http://schemas.openxmlformats.org/drawingml/2006/main" xmlns:r="http://schemas.openxmlformats.org/officeDocument/2006/relationships" xmlns:p="http://schemas.openxmlformats.org/presentationml/2006/main">
   <p:cSld>
     <p:spTree>
@@ -4481,7 +4975,7 @@
         <p:spPr>
           <a:xfrm>
             <a:off x="4409304" y="2540408"/>
-            <a:ext cx="2621280" cy="483235"/>
+            <a:ext cx="1624163" cy="461665"/>
           </a:xfrm>
           <a:prstGeom prst="rect">
             <a:avLst/>
@@ -4495,7 +4989,7 @@
           <a:lstStyle/>
           <a:p>
             <a:r>
-              <a:rPr lang="zh-CN" altLang="en-US" sz="2400" dirty="0" smtClean="0">
+              <a:rPr lang="en-US" altLang="zh-CN" sz="2400" dirty="0" smtClean="0">
                 <a:solidFill>
                   <a:schemeClr val="tx1">
                     <a:lumMod val="65000"/>
@@ -4505,7 +4999,20 @@
                 <a:latin typeface="微软雅黑" pitchFamily="34" charset="-122"/>
                 <a:ea typeface="微软雅黑" pitchFamily="34" charset="-122"/>
               </a:rPr>
-              <a:t>点击此处添加标题</a:t>
+              <a:t>Crash</a:t>
+            </a:r>
+            <a:r>
+              <a:rPr lang="zh-CN" altLang="en-US" sz="2400" dirty="0" smtClean="0">
+                <a:solidFill>
+                  <a:schemeClr val="tx1">
+                    <a:lumMod val="65000"/>
+                    <a:lumOff val="35000"/>
+                  </a:schemeClr>
+                </a:solidFill>
+                <a:latin typeface="微软雅黑" pitchFamily="34" charset="-122"/>
+                <a:ea typeface="微软雅黑" pitchFamily="34" charset="-122"/>
+              </a:rPr>
+              <a:t>捕获</a:t>
             </a:r>
             <a:endParaRPr lang="zh-CN" altLang="en-US" sz="2400" dirty="0">
               <a:solidFill>
@@ -4529,7 +5036,7 @@
         <p:spPr>
           <a:xfrm>
             <a:off x="4427234" y="3055877"/>
-            <a:ext cx="2621280" cy="483235"/>
+            <a:ext cx="3778599" cy="461665"/>
           </a:xfrm>
           <a:prstGeom prst="rect">
             <a:avLst/>
@@ -4543,7 +5050,7 @@
           <a:lstStyle/>
           <a:p>
             <a:r>
-              <a:rPr lang="zh-CN" altLang="en-US" sz="2400" dirty="0" smtClean="0">
+              <a:rPr lang="en-US" altLang="zh-CN" sz="2400" dirty="0" smtClean="0">
                 <a:solidFill>
                   <a:schemeClr val="tx1">
                     <a:lumMod val="65000"/>
@@ -4553,7 +5060,20 @@
                 <a:latin typeface="微软雅黑" pitchFamily="34" charset="-122"/>
                 <a:ea typeface="微软雅黑" pitchFamily="34" charset="-122"/>
               </a:rPr>
-              <a:t>点击此处添加标题</a:t>
+              <a:t>Crash</a:t>
+            </a:r>
+            <a:r>
+              <a:rPr lang="zh-CN" altLang="en-US" sz="2400" dirty="0" smtClean="0">
+                <a:solidFill>
+                  <a:schemeClr val="tx1">
+                    <a:lumMod val="65000"/>
+                    <a:lumOff val="35000"/>
+                  </a:schemeClr>
+                </a:solidFill>
+                <a:latin typeface="微软雅黑" pitchFamily="34" charset="-122"/>
+                <a:ea typeface="微软雅黑" pitchFamily="34" charset="-122"/>
+              </a:rPr>
+              <a:t>基本分析及常见类型</a:t>
             </a:r>
             <a:endParaRPr lang="zh-CN" altLang="en-US" sz="2400" dirty="0">
               <a:solidFill>
@@ -4577,7 +5097,7 @@
         <p:spPr>
           <a:xfrm>
             <a:off x="4431717" y="3571346"/>
-            <a:ext cx="2621280" cy="483235"/>
+            <a:ext cx="2239716" cy="461665"/>
           </a:xfrm>
           <a:prstGeom prst="rect">
             <a:avLst/>
@@ -4591,7 +5111,7 @@
           <a:lstStyle/>
           <a:p>
             <a:r>
-              <a:rPr lang="zh-CN" altLang="en-US" sz="2400" dirty="0" smtClean="0">
+              <a:rPr lang="en-US" altLang="zh-CN" sz="2400" dirty="0" smtClean="0">
                 <a:solidFill>
                   <a:schemeClr val="tx1">
                     <a:lumMod val="65000"/>
@@ -4601,43 +5121,8 @@
                 <a:latin typeface="微软雅黑" pitchFamily="34" charset="-122"/>
                 <a:ea typeface="微软雅黑" pitchFamily="34" charset="-122"/>
               </a:rPr>
-              <a:t>点击此处添加标题</a:t>
-            </a:r>
-            <a:endParaRPr lang="zh-CN" altLang="en-US" sz="2400" dirty="0">
-              <a:solidFill>
-                <a:schemeClr val="tx1">
-                  <a:lumMod val="65000"/>
-                  <a:lumOff val="35000"/>
-                </a:schemeClr>
-              </a:solidFill>
-              <a:latin typeface="微软雅黑" pitchFamily="34" charset="-122"/>
-              <a:ea typeface="微软雅黑" pitchFamily="34" charset="-122"/>
-            </a:endParaRPr>
-          </a:p>
-        </p:txBody>
-      </p:sp>
-      <p:sp>
-        <p:nvSpPr>
-          <p:cNvPr id="11" name="TextBox 10"/>
-          <p:cNvSpPr txBox="1"/>
-          <p:nvPr/>
-        </p:nvSpPr>
-        <p:spPr>
-          <a:xfrm>
-            <a:off x="4436200" y="4086815"/>
-            <a:ext cx="2621280" cy="483235"/>
-          </a:xfrm>
-          <a:prstGeom prst="rect">
-            <a:avLst/>
-          </a:prstGeom>
-          <a:noFill/>
-        </p:spPr>
-        <p:txBody>
-          <a:bodyPr wrap="none" rtlCol="0">
-            <a:spAutoFit/>
-          </a:bodyPr>
-          <a:lstStyle/>
-          <a:p>
+              <a:t>Crash</a:t>
+            </a:r>
             <a:r>
               <a:rPr lang="zh-CN" altLang="en-US" sz="2400" dirty="0" smtClean="0">
                 <a:solidFill>
@@ -4649,55 +5134,7 @@
                 <a:latin typeface="微软雅黑" pitchFamily="34" charset="-122"/>
                 <a:ea typeface="微软雅黑" pitchFamily="34" charset="-122"/>
               </a:rPr>
-              <a:t>点击此处添加标题</a:t>
-            </a:r>
-            <a:endParaRPr lang="zh-CN" altLang="en-US" sz="2400" dirty="0">
-              <a:solidFill>
-                <a:schemeClr val="tx1">
-                  <a:lumMod val="65000"/>
-                  <a:lumOff val="35000"/>
-                </a:schemeClr>
-              </a:solidFill>
-              <a:latin typeface="微软雅黑" pitchFamily="34" charset="-122"/>
-              <a:ea typeface="微软雅黑" pitchFamily="34" charset="-122"/>
-            </a:endParaRPr>
-          </a:p>
-        </p:txBody>
-      </p:sp>
-      <p:sp>
-        <p:nvSpPr>
-          <p:cNvPr id="13" name="TextBox 12"/>
-          <p:cNvSpPr txBox="1"/>
-          <p:nvPr/>
-        </p:nvSpPr>
-        <p:spPr>
-          <a:xfrm>
-            <a:off x="4440683" y="4602284"/>
-            <a:ext cx="2621280" cy="483235"/>
-          </a:xfrm>
-          <a:prstGeom prst="rect">
-            <a:avLst/>
-          </a:prstGeom>
-          <a:noFill/>
-        </p:spPr>
-        <p:txBody>
-          <a:bodyPr wrap="none" rtlCol="0">
-            <a:spAutoFit/>
-          </a:bodyPr>
-          <a:lstStyle/>
-          <a:p>
-            <a:r>
-              <a:rPr lang="zh-CN" altLang="en-US" sz="2400" dirty="0" smtClean="0">
-                <a:solidFill>
-                  <a:schemeClr val="tx1">
-                    <a:lumMod val="65000"/>
-                    <a:lumOff val="35000"/>
-                  </a:schemeClr>
-                </a:solidFill>
-                <a:latin typeface="微软雅黑" pitchFamily="34" charset="-122"/>
-                <a:ea typeface="微软雅黑" pitchFamily="34" charset="-122"/>
-              </a:rPr>
-              <a:t>点击此处添加标题</a:t>
+              <a:t>堆栈分析</a:t>
             </a:r>
             <a:endParaRPr lang="zh-CN" altLang="en-US" sz="2400" dirty="0">
               <a:solidFill>
@@ -4813,98 +5250,6 @@
         <p:spPr>
           <a:xfrm>
             <a:off x="4176584" y="3725612"/>
-            <a:ext cx="156519" cy="156519"/>
-          </a:xfrm>
-          <a:prstGeom prst="ellipse">
-            <a:avLst/>
-          </a:prstGeom>
-          <a:solidFill>
-            <a:srgbClr val="C00000"/>
-          </a:solidFill>
-          <a:ln>
-            <a:noFill/>
-          </a:ln>
-        </p:spPr>
-        <p:style>
-          <a:lnRef idx="2">
-            <a:schemeClr val="accent1">
-              <a:shade val="50000"/>
-            </a:schemeClr>
-          </a:lnRef>
-          <a:fillRef idx="1">
-            <a:schemeClr val="accent1"/>
-          </a:fillRef>
-          <a:effectRef idx="0">
-            <a:schemeClr val="accent1"/>
-          </a:effectRef>
-          <a:fontRef idx="minor">
-            <a:schemeClr val="lt1"/>
-          </a:fontRef>
-        </p:style>
-        <p:txBody>
-          <a:bodyPr rtlCol="0" anchor="ctr"/>
-          <a:lstStyle/>
-          <a:p>
-            <a:pPr algn="ctr"/>
-            <a:endParaRPr lang="zh-CN" altLang="en-US"/>
-          </a:p>
-        </p:txBody>
-      </p:sp>
-      <p:sp>
-        <p:nvSpPr>
-          <p:cNvPr id="17" name="椭圆 16"/>
-          <p:cNvSpPr/>
-          <p:nvPr/>
-        </p:nvSpPr>
-        <p:spPr>
-          <a:xfrm>
-            <a:off x="4176583" y="4239387"/>
-            <a:ext cx="156519" cy="156519"/>
-          </a:xfrm>
-          <a:prstGeom prst="ellipse">
-            <a:avLst/>
-          </a:prstGeom>
-          <a:solidFill>
-            <a:srgbClr val="C79A49"/>
-          </a:solidFill>
-          <a:ln>
-            <a:noFill/>
-          </a:ln>
-        </p:spPr>
-        <p:style>
-          <a:lnRef idx="2">
-            <a:schemeClr val="accent1">
-              <a:shade val="50000"/>
-            </a:schemeClr>
-          </a:lnRef>
-          <a:fillRef idx="1">
-            <a:schemeClr val="accent1"/>
-          </a:fillRef>
-          <a:effectRef idx="0">
-            <a:schemeClr val="accent1"/>
-          </a:effectRef>
-          <a:fontRef idx="minor">
-            <a:schemeClr val="lt1"/>
-          </a:fontRef>
-        </p:style>
-        <p:txBody>
-          <a:bodyPr rtlCol="0" anchor="ctr"/>
-          <a:lstStyle/>
-          <a:p>
-            <a:pPr algn="ctr"/>
-            <a:endParaRPr lang="zh-CN" altLang="en-US"/>
-          </a:p>
-        </p:txBody>
-      </p:sp>
-      <p:sp>
-        <p:nvSpPr>
-          <p:cNvPr id="18" name="椭圆 17"/>
-          <p:cNvSpPr/>
-          <p:nvPr/>
-        </p:nvSpPr>
-        <p:spPr>
-          <a:xfrm>
-            <a:off x="4176582" y="4760948"/>
             <a:ext cx="156519" cy="156519"/>
           </a:xfrm>
           <a:prstGeom prst="ellipse">
@@ -5323,7 +5668,7 @@
         <p:spPr>
           <a:xfrm>
             <a:off x="1293780" y="1800000"/>
-            <a:ext cx="9358008" cy="3539430"/>
+            <a:ext cx="9358008" cy="3908762"/>
           </a:xfrm>
           <a:prstGeom prst="rect">
             <a:avLst/>
@@ -5539,6 +5884,17 @@
               </a:rPr>
               <a:t>系统方法来设置异常处理函数。</a:t>
             </a:r>
+            <a:endParaRPr lang="en-US" altLang="zh-CN" sz="2400" dirty="0" smtClean="0">
+              <a:solidFill>
+                <a:schemeClr val="bg1">
+                  <a:lumMod val="65000"/>
+                </a:schemeClr>
+              </a:solidFill>
+              <a:latin typeface="微软雅黑" pitchFamily="34" charset="-122"/>
+              <a:ea typeface="微软雅黑" pitchFamily="34" charset="-122"/>
+            </a:endParaRPr>
+          </a:p>
+          <a:p>
             <a:endParaRPr lang="en-US" altLang="zh-CN" sz="2400" dirty="0" smtClean="0">
               <a:solidFill>
                 <a:schemeClr val="bg1">
@@ -5766,8 +6122,8 @@
         </p:nvSpPr>
         <p:spPr>
           <a:xfrm>
-            <a:off x="1293780" y="1800000"/>
-            <a:ext cx="9358008" cy="5262979"/>
+            <a:off x="1293780" y="1800001"/>
+            <a:ext cx="9251637" cy="4893647"/>
           </a:xfrm>
           <a:prstGeom prst="rect">
             <a:avLst/>
@@ -5840,11 +6196,12 @@
             </a:r>
             <a:r>
               <a:rPr lang="zh-CN" altLang="en-US" sz="2400" dirty="0"/>
-              <a:t>设置未捕获的异常处理</a:t>
-            </a:r>
-            <a:endParaRPr lang="en-US" altLang="zh-CN" sz="2400" dirty="0"/>
-          </a:p>
-          <a:p>
+              <a:t>设置未捕获的异常</a:t>
+            </a:r>
+            <a:r>
+              <a:rPr lang="zh-CN" altLang="en-US" sz="2400" dirty="0" smtClean="0"/>
+              <a:t>处理</a:t>
+            </a:r>
             <a:endParaRPr lang="en-US" altLang="zh-CN" sz="2400" dirty="0"/>
           </a:p>
           <a:p>
@@ -6000,8 +6357,8 @@
         </p:nvSpPr>
         <p:spPr>
           <a:xfrm>
-            <a:off x="7974106" y="2637850"/>
-            <a:ext cx="2922595" cy="584775"/>
+            <a:off x="7883612" y="2687178"/>
+            <a:ext cx="3690434" cy="400110"/>
           </a:xfrm>
           <a:prstGeom prst="rect">
             <a:avLst/>
@@ -6015,7 +6372,7 @@
           <a:lstStyle/>
           <a:p>
             <a:r>
-              <a:rPr lang="en-US" altLang="zh-CN" sz="3200" b="1" dirty="0" smtClean="0">
+              <a:rPr lang="en-US" altLang="zh-CN" sz="2000" b="1" dirty="0" smtClean="0">
                 <a:solidFill>
                   <a:schemeClr val="tx1">
                     <a:lumMod val="65000"/>
@@ -6028,7 +6385,7 @@
               <a:t>iOS</a:t>
             </a:r>
             <a:r>
-              <a:rPr lang="zh-CN" altLang="en-US" sz="3200" b="1" dirty="0" smtClean="0">
+              <a:rPr lang="zh-CN" altLang="en-US" sz="2000" b="1" dirty="0" smtClean="0">
                 <a:solidFill>
                   <a:schemeClr val="tx1">
                     <a:lumMod val="65000"/>
@@ -6041,7 +6398,7 @@
               <a:t> </a:t>
             </a:r>
             <a:r>
-              <a:rPr lang="en-US" altLang="zh-CN" sz="3200" b="1" dirty="0" smtClean="0">
+              <a:rPr lang="en-US" altLang="zh-CN" sz="2000" b="1" dirty="0" smtClean="0">
                 <a:solidFill>
                   <a:schemeClr val="tx1">
                     <a:lumMod val="65000"/>
@@ -6054,7 +6411,7 @@
               <a:t>crash</a:t>
             </a:r>
             <a:r>
-              <a:rPr lang="zh-CN" altLang="en-US" sz="3200" b="1" dirty="0" smtClean="0">
+              <a:rPr lang="zh-CN" altLang="en-US" sz="2000" b="1" dirty="0" smtClean="0">
                 <a:solidFill>
                   <a:schemeClr val="tx1">
                     <a:lumMod val="65000"/>
@@ -6064,9 +6421,9 @@
                 <a:latin typeface="微软雅黑" pitchFamily="34" charset="-122"/>
                 <a:ea typeface="微软雅黑" pitchFamily="34" charset="-122"/>
               </a:rPr>
-              <a:t>分析</a:t>
-            </a:r>
-            <a:endParaRPr lang="zh-CN" altLang="en-US" sz="3200" b="1" dirty="0">
+              <a:t>基本分析及常见类型</a:t>
+            </a:r>
+            <a:endParaRPr lang="zh-CN" altLang="en-US" sz="2000" b="1" dirty="0">
               <a:solidFill>
                 <a:schemeClr val="tx1">
                   <a:lumMod val="65000"/>

--- a/网金控股ppt模版.pptx
+++ b/网金控股ppt模版.pptx
@@ -282,7 +282,7 @@
           <a:p>
             <a:fld id="{82F288E0-7875-42C4-84C8-98DBBD3BF4D2}" type="datetimeFigureOut">
               <a:rPr lang="zh-CN" altLang="en-US" smtClean="0"/>
-              <a:t>2017/8/3</a:t>
+              <a:t>2017/8/4</a:t>
             </a:fld>
             <a:endParaRPr lang="zh-CN" altLang="en-US"/>
           </a:p>
@@ -835,7 +835,7 @@
           <a:p>
             <a:fld id="{82F288E0-7875-42C4-84C8-98DBBD3BF4D2}" type="datetimeFigureOut">
               <a:rPr lang="zh-CN" altLang="en-US" smtClean="0"/>
-              <a:t>2017/8/3</a:t>
+              <a:t>2017/8/4</a:t>
             </a:fld>
             <a:endParaRPr lang="zh-CN" altLang="en-US"/>
           </a:p>
@@ -1010,7 +1010,7 @@
           <a:p>
             <a:fld id="{82F288E0-7875-42C4-84C8-98DBBD3BF4D2}" type="datetimeFigureOut">
               <a:rPr lang="zh-CN" altLang="en-US" smtClean="0"/>
-              <a:t>2017/8/3</a:t>
+              <a:t>2017/8/4</a:t>
             </a:fld>
             <a:endParaRPr lang="zh-CN" altLang="en-US"/>
           </a:p>
@@ -1218,7 +1218,7 @@
           <a:p>
             <a:fld id="{82F288E0-7875-42C4-84C8-98DBBD3BF4D2}" type="datetimeFigureOut">
               <a:rPr lang="zh-CN" altLang="en-US" smtClean="0"/>
-              <a:t>2017/8/3</a:t>
+              <a:t>2017/8/4</a:t>
             </a:fld>
             <a:endParaRPr lang="zh-CN" altLang="en-US"/>
           </a:p>
@@ -2694,7 +2694,7 @@
         <p:spPr>
           <a:xfrm>
             <a:off x="976184" y="1690933"/>
-            <a:ext cx="10008000" cy="5112000"/>
+            <a:ext cx="10008000" cy="5586145"/>
           </a:xfrm>
           <a:prstGeom prst="rect">
             <a:avLst/>
@@ -2758,7 +2758,7 @@
             </a:r>
             <a:r>
               <a:rPr lang="zh-CN" altLang="en-US" dirty="0" smtClean="0"/>
-              <a:t> 向已经被系统回收的对象发送消息，在后台使用</a:t>
+              <a:t> 向已经被系统回收的对象发送消息、在后台使用</a:t>
             </a:r>
             <a:r>
               <a:rPr lang="en-US" altLang="zh-CN" dirty="0" smtClean="0"/>
@@ -2774,7 +2774,7 @@
             </a:r>
             <a:r>
               <a:rPr lang="zh-CN" altLang="en-US" dirty="0" smtClean="0"/>
-              <a:t>绘制。</a:t>
+              <a:t>绘制、栈溢出。</a:t>
             </a:r>
             <a:endParaRPr lang="en-US" altLang="zh-CN" dirty="0" smtClean="0"/>
           </a:p>
@@ -2857,17 +2857,38 @@
             </a:r>
             <a:r>
               <a:rPr lang="zh-CN" altLang="en-US" dirty="0"/>
-              <a:t>，先清除上次的输出，然后重新进行构建通常能解决这个问题。</a:t>
-            </a:r>
-          </a:p>
-          <a:p>
+              <a:t>，先清除上次的输出，然后重新进行构建通常能解决这个问题</a:t>
+            </a:r>
+            <a:r>
+              <a:rPr lang="zh-CN" altLang="en-US" dirty="0" smtClean="0"/>
+              <a:t>。</a:t>
+            </a:r>
             <a:endParaRPr lang="en-US" altLang="zh-CN" dirty="0" smtClean="0"/>
           </a:p>
           <a:p>
             <a:r>
               <a:rPr lang="en-US" altLang="zh-CN" dirty="0"/>
-              <a:t>Illegal Instruction [EXC_BAD_INSTRUCTION // SIGILL]</a:t>
-            </a:r>
+              <a:t>Illegal Instruction [EXC_BAD_INSTRUCTION // SIGILL</a:t>
+            </a:r>
+            <a:r>
+              <a:rPr lang="en-US" altLang="zh-CN" dirty="0" smtClean="0"/>
+              <a:t>]</a:t>
+            </a:r>
+          </a:p>
+          <a:p>
+            <a:r>
+              <a:rPr lang="en-US" altLang="zh-CN" dirty="0" smtClean="0"/>
+              <a:t>EXC_BAD_INSTRUCTION</a:t>
+            </a:r>
+            <a:r>
+              <a:rPr lang="zh-CN" altLang="en-US" dirty="0" smtClean="0"/>
+              <a:t> ： 线程</a:t>
+            </a:r>
+            <a:r>
+              <a:rPr lang="zh-CN" altLang="en-US" dirty="0" smtClean="0"/>
+              <a:t>异常、</a:t>
+            </a:r>
+            <a:endParaRPr lang="en-US" altLang="zh-CN" dirty="0"/>
           </a:p>
           <a:p>
             <a:r>
@@ -2994,7 +3015,7 @@
         <p:spPr>
           <a:xfrm>
             <a:off x="976184" y="1690933"/>
-            <a:ext cx="10008000" cy="5032147"/>
+            <a:ext cx="10008000" cy="5309146"/>
           </a:xfrm>
           <a:prstGeom prst="rect">
             <a:avLst/>
@@ -3310,6 +3331,49 @@
             <a:r>
               <a:rPr lang="zh-CN" altLang="en-US" dirty="0" smtClean="0"/>
               <a:t>。</a:t>
+            </a:r>
+            <a:endParaRPr lang="en-US" altLang="zh-CN" dirty="0" smtClean="0"/>
+          </a:p>
+          <a:p>
+            <a:r>
+              <a:rPr lang="zh-CN" altLang="en-US" dirty="0" smtClean="0"/>
+              <a:t>异常崩溃抓取</a:t>
+            </a:r>
+            <a:r>
+              <a:rPr lang="en-US" altLang="zh-CN" dirty="0" smtClean="0"/>
+              <a:t>demo</a:t>
+            </a:r>
+            <a:r>
+              <a:rPr lang="zh-CN" altLang="en-US" dirty="0" smtClean="0"/>
+              <a:t> ：</a:t>
+            </a:r>
+            <a:r>
+              <a:rPr lang="en-US" altLang="zh-CN" dirty="0" smtClean="0"/>
+              <a:t>https</a:t>
+            </a:r>
+            <a:r>
+              <a:rPr lang="en-US" altLang="zh-CN" dirty="0"/>
+              <a:t>://</a:t>
+            </a:r>
+            <a:r>
+              <a:rPr lang="en-US" altLang="zh-CN" dirty="0" err="1"/>
+              <a:t>github.com</a:t>
+            </a:r>
+            <a:r>
+              <a:rPr lang="en-US" altLang="zh-CN" dirty="0"/>
+              <a:t>/</a:t>
+            </a:r>
+            <a:r>
+              <a:rPr lang="en-US" altLang="zh-CN" dirty="0" err="1"/>
+              <a:t>bitstadium</a:t>
+            </a:r>
+            <a:r>
+              <a:rPr lang="en-US" altLang="zh-CN" dirty="0"/>
+              <a:t>/</a:t>
+            </a:r>
+            <a:r>
+              <a:rPr lang="en-US" altLang="zh-CN" dirty="0" err="1"/>
+              <a:t>CrashProbe</a:t>
             </a:r>
             <a:endParaRPr lang="zh-CN" altLang="en-US" dirty="0"/>
           </a:p>
@@ -4434,7 +4498,7 @@
         <p:spPr>
           <a:xfrm>
             <a:off x="1055697" y="1752986"/>
-            <a:ext cx="9885405" cy="3693319"/>
+            <a:ext cx="9885405" cy="3970318"/>
           </a:xfrm>
           <a:prstGeom prst="rect">
             <a:avLst/>
@@ -4674,11 +4738,43 @@
               <a:t>dSYM</a:t>
             </a:r>
             <a:r>
+              <a:rPr lang="zh-CN" altLang="en-US" dirty="0" smtClean="0"/>
+              <a:t>文件（</a:t>
+            </a:r>
+            <a:r>
+              <a:rPr lang="en-US" altLang="zh-CN" dirty="0"/>
+              <a:t> </a:t>
+            </a:r>
+            <a:r>
+              <a:rPr lang="en-US" altLang="zh-CN" dirty="0" err="1" smtClean="0"/>
+              <a:t>dYSM</a:t>
+            </a:r>
+            <a:r>
               <a:rPr lang="zh-CN" altLang="en-US" dirty="0"/>
-              <a:t>文件</a:t>
+              <a:t>文件是</a:t>
             </a:r>
             <a:r>
               <a:rPr lang="en-US" altLang="zh-CN" dirty="0"/>
+              <a:t>iOS</a:t>
+            </a:r>
+            <a:r>
+              <a:rPr lang="zh-CN" altLang="en-US" dirty="0"/>
+              <a:t>编译后保存</a:t>
+            </a:r>
+            <a:r>
+              <a:rPr lang="en-US" altLang="zh-CN" dirty="0"/>
+              <a:t>16</a:t>
+            </a:r>
+            <a:r>
+              <a:rPr lang="zh-CN" altLang="en-US" dirty="0"/>
+              <a:t>进制函数地址映射信息的中转文件</a:t>
+            </a:r>
+            <a:r>
+              <a:rPr lang="zh-CN" altLang="en-US" dirty="0" smtClean="0"/>
+              <a:t>）</a:t>
+            </a:r>
+            <a:r>
+              <a:rPr lang="en-US" altLang="zh-CN" dirty="0" smtClean="0"/>
               <a:t> </a:t>
             </a:r>
             <a:r>
